--- a/Docs/HttpProxies.pptx
+++ b/Docs/HttpProxies.pptx
@@ -5,20 +5,21 @@
     <p:sldMasterId id="2147483648" r:id="rId1"/>
   </p:sldMasterIdLst>
   <p:notesMasterIdLst>
-    <p:notesMasterId r:id="rId13"/>
+    <p:notesMasterId r:id="rId14"/>
   </p:notesMasterIdLst>
   <p:sldIdLst>
     <p:sldId id="256" r:id="rId2"/>
-    <p:sldId id="259" r:id="rId3"/>
-    <p:sldId id="271" r:id="rId4"/>
-    <p:sldId id="263" r:id="rId5"/>
-    <p:sldId id="270" r:id="rId6"/>
-    <p:sldId id="264" r:id="rId7"/>
-    <p:sldId id="266" r:id="rId8"/>
-    <p:sldId id="265" r:id="rId9"/>
-    <p:sldId id="267" r:id="rId10"/>
-    <p:sldId id="268" r:id="rId11"/>
-    <p:sldId id="269" r:id="rId12"/>
+    <p:sldId id="272" r:id="rId3"/>
+    <p:sldId id="259" r:id="rId4"/>
+    <p:sldId id="271" r:id="rId5"/>
+    <p:sldId id="263" r:id="rId6"/>
+    <p:sldId id="270" r:id="rId7"/>
+    <p:sldId id="264" r:id="rId8"/>
+    <p:sldId id="266" r:id="rId9"/>
+    <p:sldId id="265" r:id="rId10"/>
+    <p:sldId id="267" r:id="rId11"/>
+    <p:sldId id="268" r:id="rId12"/>
+    <p:sldId id="273" r:id="rId13"/>
   </p:sldIdLst>
   <p:sldSz cx="12192000" cy="6858000"/>
   <p:notesSz cx="6858000" cy="9144000"/>
@@ -539,7 +540,7 @@
           <a:p>
             <a:fld id="{0BEA5D85-3712-4FC1-B4C2-FE089DB90C7D}" type="slidenum">
               <a:rPr lang="en-US" smtClean="0"/>
-              <a:t>3</a:t>
+              <a:t>4</a:t>
             </a:fld>
             <a:endParaRPr lang="en-US"/>
           </a:p>
@@ -3846,13 +3847,7 @@
   <p:cSld>
     <p:spTree>
       <p:nvGrpSpPr>
-        <p:cNvPr id="1" name="">
-          <a:extLst>
-            <a:ext uri="{FF2B5EF4-FFF2-40B4-BE49-F238E27FC236}">
-              <a16:creationId xmlns:a16="http://schemas.microsoft.com/office/drawing/2014/main" id="{A93A6FDA-FFBA-44A3-2228-F2FD908E1283}"/>
-            </a:ext>
-          </a:extLst>
-        </p:cNvPr>
+        <p:cNvPr id="1" name=""/>
         <p:cNvGrpSpPr/>
         <p:nvPr/>
       </p:nvGrpSpPr>
@@ -3869,7 +3864,7 @@
           <p:cNvPr id="2" name="Title 53">
             <a:extLst>
               <a:ext uri="{FF2B5EF4-FFF2-40B4-BE49-F238E27FC236}">
-                <a16:creationId xmlns:a16="http://schemas.microsoft.com/office/drawing/2014/main" id="{9BE775E5-3107-A9EF-487F-F8F99DF337B5}"/>
+                <a16:creationId xmlns:a16="http://schemas.microsoft.com/office/drawing/2014/main" id="{8F3D30F9-AFE0-9727-12C2-078AFABE5228}"/>
               </a:ext>
             </a:extLst>
           </p:cNvPr>
@@ -3921,10 +3916,10 @@
       </p:sp>
       <p:sp>
         <p:nvSpPr>
-          <p:cNvPr id="7" name="TextBox 6">
-            <a:extLst>
-              <a:ext uri="{FF2B5EF4-FFF2-40B4-BE49-F238E27FC236}">
-                <a16:creationId xmlns:a16="http://schemas.microsoft.com/office/drawing/2014/main" id="{2FA4CC2C-65AE-3657-5384-2346C654ABDA}"/>
+          <p:cNvPr id="3" name="TextBox 2">
+            <a:extLst>
+              <a:ext uri="{FF2B5EF4-FFF2-40B4-BE49-F238E27FC236}">
+                <a16:creationId xmlns:a16="http://schemas.microsoft.com/office/drawing/2014/main" id="{5E0B0864-3DB5-EA91-3A53-872D8A9E66C0}"/>
               </a:ext>
             </a:extLst>
           </p:cNvPr>
@@ -3933,92 +3928,8 @@
         </p:nvSpPr>
         <p:spPr>
           <a:xfrm>
-            <a:off x="838200" y="2412157"/>
-            <a:ext cx="10039287" cy="369332"/>
-          </a:xfrm>
-          <a:prstGeom prst="rect">
-            <a:avLst/>
-          </a:prstGeom>
-          <a:noFill/>
-        </p:spPr>
-        <p:txBody>
-          <a:bodyPr wrap="none" rtlCol="0">
-            <a:spAutoFit/>
-          </a:bodyPr>
-          <a:lstStyle/>
-          <a:p>
-            <a:r>
-              <a:rPr lang="en-US" b="0" i="0" dirty="0">
-                <a:solidFill>
-                  <a:srgbClr val="1F1F1F"/>
-                </a:solidFill>
-                <a:effectLst/>
-                <a:latin typeface="Google Sans Text"/>
-              </a:rPr>
-              <a:t>Cancelling a request means the client (or a proxy in the call chain) has prematurely closed the connection</a:t>
-            </a:r>
-            <a:endParaRPr lang="en-US" dirty="0"/>
-          </a:p>
-        </p:txBody>
-      </p:sp>
-      <p:sp>
-        <p:nvSpPr>
-          <p:cNvPr id="8" name="TextBox 7">
-            <a:extLst>
-              <a:ext uri="{FF2B5EF4-FFF2-40B4-BE49-F238E27FC236}">
-                <a16:creationId xmlns:a16="http://schemas.microsoft.com/office/drawing/2014/main" id="{22335306-701B-4D70-CD01-55D3203C2195}"/>
-              </a:ext>
-            </a:extLst>
-          </p:cNvPr>
-          <p:cNvSpPr txBox="1"/>
-          <p:nvPr/>
-        </p:nvSpPr>
-        <p:spPr>
-          <a:xfrm>
-            <a:off x="838200" y="5323751"/>
-            <a:ext cx="10656828" cy="646331"/>
-          </a:xfrm>
-          <a:prstGeom prst="rect">
-            <a:avLst/>
-          </a:prstGeom>
-          <a:noFill/>
-        </p:spPr>
-        <p:txBody>
-          <a:bodyPr wrap="square" rtlCol="0">
-            <a:spAutoFit/>
-          </a:bodyPr>
-          <a:lstStyle/>
-          <a:p>
-            <a:r>
-              <a:rPr lang="en-US" b="0" i="0" dirty="0">
-                <a:solidFill>
-                  <a:srgbClr val="1F1F1F"/>
-                </a:solidFill>
-                <a:effectLst/>
-                <a:latin typeface="Google Sans Text"/>
-              </a:rPr>
-              <a:t>If you don’t opt-in to cancellation via CancellationTokens, your server endpoint will continue to run code even after the client has disconnected</a:t>
-            </a:r>
-            <a:endParaRPr lang="en-US" dirty="0"/>
-          </a:p>
-        </p:txBody>
-      </p:sp>
-      <p:sp>
-        <p:nvSpPr>
-          <p:cNvPr id="12" name="TextBox 11">
-            <a:extLst>
-              <a:ext uri="{FF2B5EF4-FFF2-40B4-BE49-F238E27FC236}">
-                <a16:creationId xmlns:a16="http://schemas.microsoft.com/office/drawing/2014/main" id="{793674A0-C041-34D5-C546-BA128DA5D0DA}"/>
-              </a:ext>
-            </a:extLst>
-          </p:cNvPr>
-          <p:cNvSpPr txBox="1"/>
-          <p:nvPr/>
-        </p:nvSpPr>
-        <p:spPr>
-          <a:xfrm>
-            <a:off x="838200" y="1698909"/>
-            <a:ext cx="5480859" cy="461665"/>
+            <a:off x="838200" y="2294611"/>
+            <a:ext cx="6371937" cy="461665"/>
           </a:xfrm>
           <a:prstGeom prst="rect">
             <a:avLst/>
@@ -4039,197 +3950,475 @@
                 <a:effectLst/>
                 <a:latin typeface="Google Sans Text"/>
               </a:rPr>
-              <a:t>What does it mean to “cance</a:t>
-            </a:r>
-            <a:r>
-              <a:rPr lang="en-US" sz="2400" b="1" dirty="0">
-                <a:solidFill>
-                  <a:srgbClr val="1F1F1F"/>
-                </a:solidFill>
-                <a:latin typeface="Google Sans Text"/>
-              </a:rPr>
-              <a:t>l” a request?</a:t>
+              <a:t>What exactly does it mean to "proxy" a request?</a:t>
             </a:r>
             <a:endParaRPr lang="en-US" sz="2400" b="1" dirty="0"/>
           </a:p>
         </p:txBody>
       </p:sp>
-      <p:sp>
-        <p:nvSpPr>
-          <p:cNvPr id="15" name="TextBox 14">
-            <a:extLst>
-              <a:ext uri="{FF2B5EF4-FFF2-40B4-BE49-F238E27FC236}">
-                <a16:creationId xmlns:a16="http://schemas.microsoft.com/office/drawing/2014/main" id="{358E9CEC-BEDD-0BBA-D34B-F0BDBAB5E4BD}"/>
-              </a:ext>
-            </a:extLst>
-          </p:cNvPr>
-          <p:cNvSpPr txBox="1"/>
-          <p:nvPr/>
-        </p:nvSpPr>
-        <p:spPr>
-          <a:xfrm>
-            <a:off x="838200" y="2994475"/>
-            <a:ext cx="4822089" cy="369332"/>
-          </a:xfrm>
-          <a:prstGeom prst="rect">
-            <a:avLst/>
-          </a:prstGeom>
-          <a:noFill/>
-        </p:spPr>
-        <p:txBody>
-          <a:bodyPr wrap="none" rtlCol="0">
-            <a:spAutoFit/>
-          </a:bodyPr>
-          <a:lstStyle/>
-          <a:p>
-            <a:r>
-              <a:rPr lang="en-US" b="0" i="0" dirty="0">
-                <a:solidFill>
-                  <a:srgbClr val="1F1F1F"/>
-                </a:solidFill>
-                <a:effectLst/>
-                <a:latin typeface="Google Sans Text"/>
-              </a:rPr>
-              <a:t>The following actions are all forms of cancellation</a:t>
-            </a:r>
-            <a:endParaRPr lang="en-US" dirty="0"/>
-          </a:p>
-        </p:txBody>
-      </p:sp>
-      <p:sp>
-        <p:nvSpPr>
-          <p:cNvPr id="16" name="TextBox 15">
-            <a:extLst>
-              <a:ext uri="{FF2B5EF4-FFF2-40B4-BE49-F238E27FC236}">
-                <a16:creationId xmlns:a16="http://schemas.microsoft.com/office/drawing/2014/main" id="{24D583C7-D1F2-A4FF-2412-1A79E1A2A6F4}"/>
-              </a:ext>
-            </a:extLst>
-          </p:cNvPr>
-          <p:cNvSpPr txBox="1"/>
-          <p:nvPr/>
-        </p:nvSpPr>
-        <p:spPr>
-          <a:xfrm>
-            <a:off x="1560575" y="3576794"/>
-            <a:ext cx="2550057" cy="369332"/>
-          </a:xfrm>
-          <a:prstGeom prst="rect">
-            <a:avLst/>
-          </a:prstGeom>
-          <a:noFill/>
-        </p:spPr>
-        <p:txBody>
-          <a:bodyPr wrap="none" rtlCol="0">
-            <a:spAutoFit/>
-          </a:bodyPr>
-          <a:lstStyle/>
-          <a:p>
-            <a:r>
-              <a:rPr lang="en-US" b="0" i="0" dirty="0">
-                <a:solidFill>
-                  <a:srgbClr val="1F1F1F"/>
-                </a:solidFill>
-                <a:effectLst/>
-                <a:latin typeface="Google Sans Text"/>
-              </a:rPr>
-              <a:t>Forcibly closing the client</a:t>
-            </a:r>
-            <a:endParaRPr lang="en-US" dirty="0"/>
-          </a:p>
-        </p:txBody>
-      </p:sp>
-      <p:sp>
-        <p:nvSpPr>
-          <p:cNvPr id="17" name="TextBox 16">
-            <a:extLst>
-              <a:ext uri="{FF2B5EF4-FFF2-40B4-BE49-F238E27FC236}">
-                <a16:creationId xmlns:a16="http://schemas.microsoft.com/office/drawing/2014/main" id="{4D3C9504-E06D-2A23-40B9-6E38DFA3D149}"/>
-              </a:ext>
-            </a:extLst>
-          </p:cNvPr>
-          <p:cNvSpPr txBox="1"/>
-          <p:nvPr/>
-        </p:nvSpPr>
-        <p:spPr>
-          <a:xfrm>
-            <a:off x="1560575" y="4159113"/>
-            <a:ext cx="2048446" cy="369332"/>
-          </a:xfrm>
-          <a:prstGeom prst="rect">
-            <a:avLst/>
-          </a:prstGeom>
-          <a:noFill/>
-        </p:spPr>
-        <p:txBody>
-          <a:bodyPr wrap="none" rtlCol="0">
-            <a:spAutoFit/>
-          </a:bodyPr>
-          <a:lstStyle/>
-          <a:p>
-            <a:r>
-              <a:rPr lang="en-US" dirty="0">
-                <a:solidFill>
-                  <a:srgbClr val="1F1F1F"/>
-                </a:solidFill>
-                <a:latin typeface="Google Sans Text"/>
-              </a:rPr>
-              <a:t>The client times out</a:t>
-            </a:r>
-            <a:endParaRPr lang="en-US" dirty="0"/>
-          </a:p>
-        </p:txBody>
-      </p:sp>
-      <p:sp>
-        <p:nvSpPr>
-          <p:cNvPr id="18" name="TextBox 17">
-            <a:extLst>
-              <a:ext uri="{FF2B5EF4-FFF2-40B4-BE49-F238E27FC236}">
-                <a16:creationId xmlns:a16="http://schemas.microsoft.com/office/drawing/2014/main" id="{551C5963-4F68-1FDB-13B5-95054EB2525A}"/>
-              </a:ext>
-            </a:extLst>
-          </p:cNvPr>
-          <p:cNvSpPr txBox="1"/>
-          <p:nvPr/>
-        </p:nvSpPr>
-        <p:spPr>
-          <a:xfrm>
-            <a:off x="1560575" y="4741432"/>
-            <a:ext cx="2473434" cy="369332"/>
-          </a:xfrm>
-          <a:prstGeom prst="rect">
-            <a:avLst/>
-          </a:prstGeom>
-          <a:noFill/>
-        </p:spPr>
-        <p:txBody>
-          <a:bodyPr wrap="none" rtlCol="0">
-            <a:spAutoFit/>
-          </a:bodyPr>
-          <a:lstStyle/>
-          <a:p>
-            <a:r>
-              <a:rPr lang="en-US" dirty="0">
-                <a:solidFill>
-                  <a:srgbClr val="1F1F1F"/>
-                </a:solidFill>
-                <a:latin typeface="Google Sans Text"/>
-              </a:rPr>
-              <a:t>A proxy server times out</a:t>
-            </a:r>
-            <a:endParaRPr lang="en-US" dirty="0"/>
-          </a:p>
-        </p:txBody>
-      </p:sp>
+      <p:grpSp>
+        <p:nvGrpSpPr>
+          <p:cNvPr id="12" name="Group 11">
+            <a:extLst>
+              <a:ext uri="{FF2B5EF4-FFF2-40B4-BE49-F238E27FC236}">
+                <a16:creationId xmlns:a16="http://schemas.microsoft.com/office/drawing/2014/main" id="{F459A7A7-AF0A-C596-3E7E-7552DE221D3A}"/>
+              </a:ext>
+            </a:extLst>
+          </p:cNvPr>
+          <p:cNvGrpSpPr/>
+          <p:nvPr/>
+        </p:nvGrpSpPr>
+        <p:grpSpPr>
+          <a:xfrm>
+            <a:off x="731520" y="3185578"/>
+            <a:ext cx="11295992" cy="615696"/>
+            <a:chOff x="731520" y="3185578"/>
+            <a:chExt cx="11295992" cy="615696"/>
+          </a:xfrm>
+        </p:grpSpPr>
+        <p:sp>
+          <p:nvSpPr>
+            <p:cNvPr id="4" name="TextBox 3">
+              <a:extLst>
+                <a:ext uri="{FF2B5EF4-FFF2-40B4-BE49-F238E27FC236}">
+                  <a16:creationId xmlns:a16="http://schemas.microsoft.com/office/drawing/2014/main" id="{1CD6CB84-CD06-1D16-57DC-9DDAF79AF162}"/>
+                </a:ext>
+              </a:extLst>
+            </p:cNvPr>
+            <p:cNvSpPr txBox="1"/>
+            <p:nvPr/>
+          </p:nvSpPr>
+          <p:spPr>
+            <a:xfrm>
+              <a:off x="1432560" y="3308760"/>
+              <a:ext cx="10594952" cy="369332"/>
+            </a:xfrm>
+            <a:prstGeom prst="rect">
+              <a:avLst/>
+            </a:prstGeom>
+            <a:noFill/>
+          </p:spPr>
+          <p:txBody>
+            <a:bodyPr wrap="none" rtlCol="0">
+              <a:spAutoFit/>
+            </a:bodyPr>
+            <a:lstStyle/>
+            <a:p>
+              <a:r>
+                <a:rPr lang="en-US" b="0" i="0" dirty="0">
+                  <a:solidFill>
+                    <a:srgbClr val="1F1F1F"/>
+                  </a:solidFill>
+                  <a:effectLst/>
+                  <a:latin typeface="Google Sans Text"/>
+                </a:rPr>
+                <a:t>It means to route a request through an intermediary server instead of sending it to a destination server directly</a:t>
+              </a:r>
+              <a:endParaRPr lang="en-US" dirty="0"/>
+            </a:p>
+          </p:txBody>
+        </p:sp>
+        <p:pic>
+          <p:nvPicPr>
+            <p:cNvPr id="9" name="Picture 8">
+              <a:extLst>
+                <a:ext uri="{FF2B5EF4-FFF2-40B4-BE49-F238E27FC236}">
+                  <a16:creationId xmlns:a16="http://schemas.microsoft.com/office/drawing/2014/main" id="{CCDBC4F0-BC39-F452-7901-C895F82AB65C}"/>
+                </a:ext>
+              </a:extLst>
+            </p:cNvPr>
+            <p:cNvPicPr>
+              <a:picLocks noChangeAspect="1"/>
+            </p:cNvPicPr>
+            <p:nvPr/>
+          </p:nvPicPr>
+          <p:blipFill>
+            <a:blip r:embed="rId2"/>
+            <a:stretch>
+              <a:fillRect/>
+            </a:stretch>
+          </p:blipFill>
+          <p:spPr>
+            <a:xfrm>
+              <a:off x="731520" y="3185578"/>
+              <a:ext cx="615696" cy="615696"/>
+            </a:xfrm>
+            <a:prstGeom prst="rect">
+              <a:avLst/>
+            </a:prstGeom>
+          </p:spPr>
+        </p:pic>
+      </p:grpSp>
+      <p:grpSp>
+        <p:nvGrpSpPr>
+          <p:cNvPr id="13" name="Group 12">
+            <a:extLst>
+              <a:ext uri="{FF2B5EF4-FFF2-40B4-BE49-F238E27FC236}">
+                <a16:creationId xmlns:a16="http://schemas.microsoft.com/office/drawing/2014/main" id="{6ABDC3B5-4A6B-6627-A411-2A69703F3341}"/>
+              </a:ext>
+            </a:extLst>
+          </p:cNvPr>
+          <p:cNvGrpSpPr/>
+          <p:nvPr/>
+        </p:nvGrpSpPr>
+        <p:grpSpPr>
+          <a:xfrm>
+            <a:off x="731520" y="3833074"/>
+            <a:ext cx="9155149" cy="615696"/>
+            <a:chOff x="731520" y="3833074"/>
+            <a:chExt cx="9155149" cy="615696"/>
+          </a:xfrm>
+        </p:grpSpPr>
+        <p:sp>
+          <p:nvSpPr>
+            <p:cNvPr id="5" name="TextBox 4">
+              <a:extLst>
+                <a:ext uri="{FF2B5EF4-FFF2-40B4-BE49-F238E27FC236}">
+                  <a16:creationId xmlns:a16="http://schemas.microsoft.com/office/drawing/2014/main" id="{B7B58924-7179-ACD6-B630-37926CC90B34}"/>
+                </a:ext>
+              </a:extLst>
+            </p:cNvPr>
+            <p:cNvSpPr txBox="1"/>
+            <p:nvPr/>
+          </p:nvSpPr>
+          <p:spPr>
+            <a:xfrm>
+              <a:off x="1432560" y="3956256"/>
+              <a:ext cx="8454109" cy="369332"/>
+            </a:xfrm>
+            <a:prstGeom prst="rect">
+              <a:avLst/>
+            </a:prstGeom>
+            <a:noFill/>
+          </p:spPr>
+          <p:txBody>
+            <a:bodyPr wrap="none" rtlCol="0">
+              <a:spAutoFit/>
+            </a:bodyPr>
+            <a:lstStyle/>
+            <a:p>
+              <a:r>
+                <a:rPr lang="en-US" b="0" i="0" dirty="0">
+                  <a:solidFill>
+                    <a:srgbClr val="1F1F1F"/>
+                  </a:solidFill>
+                  <a:effectLst/>
+                  <a:latin typeface="Google Sans Text"/>
+                </a:rPr>
+                <a:t>A proxy server can modify the incoming request before it is sent to th</a:t>
+              </a:r>
+              <a:r>
+                <a:rPr lang="en-US" dirty="0">
+                  <a:solidFill>
+                    <a:srgbClr val="1F1F1F"/>
+                  </a:solidFill>
+                  <a:latin typeface="Google Sans Text"/>
+                </a:rPr>
+                <a:t>e destination server</a:t>
+              </a:r>
+              <a:endParaRPr lang="en-US" dirty="0"/>
+            </a:p>
+          </p:txBody>
+        </p:sp>
+        <p:pic>
+          <p:nvPicPr>
+            <p:cNvPr id="10" name="Picture 9">
+              <a:extLst>
+                <a:ext uri="{FF2B5EF4-FFF2-40B4-BE49-F238E27FC236}">
+                  <a16:creationId xmlns:a16="http://schemas.microsoft.com/office/drawing/2014/main" id="{2BF69F2B-216F-9337-9075-39885199ADBA}"/>
+                </a:ext>
+              </a:extLst>
+            </p:cNvPr>
+            <p:cNvPicPr>
+              <a:picLocks noChangeAspect="1"/>
+            </p:cNvPicPr>
+            <p:nvPr/>
+          </p:nvPicPr>
+          <p:blipFill>
+            <a:blip r:embed="rId2"/>
+            <a:stretch>
+              <a:fillRect/>
+            </a:stretch>
+          </p:blipFill>
+          <p:spPr>
+            <a:xfrm>
+              <a:off x="731520" y="3833074"/>
+              <a:ext cx="615696" cy="615696"/>
+            </a:xfrm>
+            <a:prstGeom prst="rect">
+              <a:avLst/>
+            </a:prstGeom>
+          </p:spPr>
+        </p:pic>
+      </p:grpSp>
+      <p:grpSp>
+        <p:nvGrpSpPr>
+          <p:cNvPr id="14" name="Group 13">
+            <a:extLst>
+              <a:ext uri="{FF2B5EF4-FFF2-40B4-BE49-F238E27FC236}">
+                <a16:creationId xmlns:a16="http://schemas.microsoft.com/office/drawing/2014/main" id="{D8B042E2-4A5B-0315-8375-1E32DA41F367}"/>
+              </a:ext>
+            </a:extLst>
+          </p:cNvPr>
+          <p:cNvGrpSpPr/>
+          <p:nvPr/>
+        </p:nvGrpSpPr>
+        <p:grpSpPr>
+          <a:xfrm>
+            <a:off x="731520" y="4480570"/>
+            <a:ext cx="5669773" cy="615696"/>
+            <a:chOff x="731520" y="4480570"/>
+            <a:chExt cx="5669773" cy="615696"/>
+          </a:xfrm>
+        </p:grpSpPr>
+        <p:sp>
+          <p:nvSpPr>
+            <p:cNvPr id="6" name="TextBox 5">
+              <a:extLst>
+                <a:ext uri="{FF2B5EF4-FFF2-40B4-BE49-F238E27FC236}">
+                  <a16:creationId xmlns:a16="http://schemas.microsoft.com/office/drawing/2014/main" id="{A295BEEE-DB93-D3A8-BDCB-E08037970C4E}"/>
+                </a:ext>
+              </a:extLst>
+            </p:cNvPr>
+            <p:cNvSpPr txBox="1"/>
+            <p:nvPr/>
+          </p:nvSpPr>
+          <p:spPr>
+            <a:xfrm>
+              <a:off x="1432560" y="4603752"/>
+              <a:ext cx="4968733" cy="369332"/>
+            </a:xfrm>
+            <a:prstGeom prst="rect">
+              <a:avLst/>
+            </a:prstGeom>
+            <a:noFill/>
+          </p:spPr>
+          <p:txBody>
+            <a:bodyPr wrap="none" rtlCol="0">
+              <a:spAutoFit/>
+            </a:bodyPr>
+            <a:lstStyle/>
+            <a:p>
+              <a:r>
+                <a:rPr lang="en-US" b="0" i="0" dirty="0">
+                  <a:solidFill>
+                    <a:srgbClr val="1F1F1F"/>
+                  </a:solidFill>
+                  <a:effectLst/>
+                  <a:latin typeface="Google Sans Text"/>
+                </a:rPr>
+                <a:t>Data travels between servers over HTTP and HTTPS</a:t>
+              </a:r>
+              <a:endParaRPr lang="en-US" dirty="0"/>
+            </a:p>
+          </p:txBody>
+        </p:sp>
+        <p:pic>
+          <p:nvPicPr>
+            <p:cNvPr id="11" name="Picture 10">
+              <a:extLst>
+                <a:ext uri="{FF2B5EF4-FFF2-40B4-BE49-F238E27FC236}">
+                  <a16:creationId xmlns:a16="http://schemas.microsoft.com/office/drawing/2014/main" id="{34AE22E3-B58C-9F88-2AAB-7484C6C7322C}"/>
+                </a:ext>
+              </a:extLst>
+            </p:cNvPr>
+            <p:cNvPicPr>
+              <a:picLocks noChangeAspect="1"/>
+            </p:cNvPicPr>
+            <p:nvPr/>
+          </p:nvPicPr>
+          <p:blipFill>
+            <a:blip r:embed="rId2"/>
+            <a:stretch>
+              <a:fillRect/>
+            </a:stretch>
+          </p:blipFill>
+          <p:spPr>
+            <a:xfrm>
+              <a:off x="731520" y="4480570"/>
+              <a:ext cx="615696" cy="615696"/>
+            </a:xfrm>
+            <a:prstGeom prst="rect">
+              <a:avLst/>
+            </a:prstGeom>
+          </p:spPr>
+        </p:pic>
+      </p:grpSp>
     </p:spTree>
     <p:extLst>
       <p:ext uri="{BB962C8B-B14F-4D97-AF65-F5344CB8AC3E}">
-        <p14:creationId xmlns:p14="http://schemas.microsoft.com/office/powerpoint/2010/main" val="4152589934"/>
+        <p14:creationId xmlns:p14="http://schemas.microsoft.com/office/powerpoint/2010/main" val="3822214295"/>
       </p:ext>
     </p:extLst>
   </p:cSld>
   <p:clrMapOvr>
     <a:masterClrMapping/>
   </p:clrMapOvr>
+  <p:timing>
+    <p:tnLst>
+      <p:par>
+        <p:cTn id="1" dur="indefinite" restart="never" nodeType="tmRoot">
+          <p:childTnLst>
+            <p:seq concurrent="1" nextAc="seek">
+              <p:cTn id="2" dur="indefinite" nodeType="mainSeq">
+                <p:childTnLst>
+                  <p:par>
+                    <p:cTn id="3" fill="hold">
+                      <p:stCondLst>
+                        <p:cond delay="indefinite"/>
+                      </p:stCondLst>
+                      <p:childTnLst>
+                        <p:par>
+                          <p:cTn id="4" fill="hold">
+                            <p:stCondLst>
+                              <p:cond delay="0"/>
+                            </p:stCondLst>
+                            <p:childTnLst>
+                              <p:par>
+                                <p:cTn id="5" presetID="1" presetClass="entr" presetSubtype="0" fill="hold" nodeType="clickEffect">
+                                  <p:stCondLst>
+                                    <p:cond delay="0"/>
+                                  </p:stCondLst>
+                                  <p:childTnLst>
+                                    <p:set>
+                                      <p:cBhvr>
+                                        <p:cTn id="6" dur="1" fill="hold">
+                                          <p:stCondLst>
+                                            <p:cond delay="0"/>
+                                          </p:stCondLst>
+                                        </p:cTn>
+                                        <p:tgtEl>
+                                          <p:spTgt spid="12"/>
+                                        </p:tgtEl>
+                                        <p:attrNameLst>
+                                          <p:attrName>style.visibility</p:attrName>
+                                        </p:attrNameLst>
+                                      </p:cBhvr>
+                                      <p:to>
+                                        <p:strVal val="visible"/>
+                                      </p:to>
+                                    </p:set>
+                                  </p:childTnLst>
+                                </p:cTn>
+                              </p:par>
+                            </p:childTnLst>
+                          </p:cTn>
+                        </p:par>
+                      </p:childTnLst>
+                    </p:cTn>
+                  </p:par>
+                  <p:par>
+                    <p:cTn id="7" fill="hold">
+                      <p:stCondLst>
+                        <p:cond delay="indefinite"/>
+                      </p:stCondLst>
+                      <p:childTnLst>
+                        <p:par>
+                          <p:cTn id="8" fill="hold">
+                            <p:stCondLst>
+                              <p:cond delay="0"/>
+                            </p:stCondLst>
+                            <p:childTnLst>
+                              <p:par>
+                                <p:cTn id="9" presetID="1" presetClass="entr" presetSubtype="0" fill="hold" nodeType="clickEffect">
+                                  <p:stCondLst>
+                                    <p:cond delay="0"/>
+                                  </p:stCondLst>
+                                  <p:childTnLst>
+                                    <p:set>
+                                      <p:cBhvr>
+                                        <p:cTn id="10" dur="1" fill="hold">
+                                          <p:stCondLst>
+                                            <p:cond delay="0"/>
+                                          </p:stCondLst>
+                                        </p:cTn>
+                                        <p:tgtEl>
+                                          <p:spTgt spid="13"/>
+                                        </p:tgtEl>
+                                        <p:attrNameLst>
+                                          <p:attrName>style.visibility</p:attrName>
+                                        </p:attrNameLst>
+                                      </p:cBhvr>
+                                      <p:to>
+                                        <p:strVal val="visible"/>
+                                      </p:to>
+                                    </p:set>
+                                  </p:childTnLst>
+                                </p:cTn>
+                              </p:par>
+                            </p:childTnLst>
+                          </p:cTn>
+                        </p:par>
+                      </p:childTnLst>
+                    </p:cTn>
+                  </p:par>
+                  <p:par>
+                    <p:cTn id="11" fill="hold">
+                      <p:stCondLst>
+                        <p:cond delay="indefinite"/>
+                      </p:stCondLst>
+                      <p:childTnLst>
+                        <p:par>
+                          <p:cTn id="12" fill="hold">
+                            <p:stCondLst>
+                              <p:cond delay="0"/>
+                            </p:stCondLst>
+                            <p:childTnLst>
+                              <p:par>
+                                <p:cTn id="13" presetID="1" presetClass="entr" presetSubtype="0" fill="hold" nodeType="clickEffect">
+                                  <p:stCondLst>
+                                    <p:cond delay="0"/>
+                                  </p:stCondLst>
+                                  <p:childTnLst>
+                                    <p:set>
+                                      <p:cBhvr>
+                                        <p:cTn id="14" dur="1" fill="hold">
+                                          <p:stCondLst>
+                                            <p:cond delay="0"/>
+                                          </p:stCondLst>
+                                        </p:cTn>
+                                        <p:tgtEl>
+                                          <p:spTgt spid="14"/>
+                                        </p:tgtEl>
+                                        <p:attrNameLst>
+                                          <p:attrName>style.visibility</p:attrName>
+                                        </p:attrNameLst>
+                                      </p:cBhvr>
+                                      <p:to>
+                                        <p:strVal val="visible"/>
+                                      </p:to>
+                                    </p:set>
+                                  </p:childTnLst>
+                                </p:cTn>
+                              </p:par>
+                            </p:childTnLst>
+                          </p:cTn>
+                        </p:par>
+                      </p:childTnLst>
+                    </p:cTn>
+                  </p:par>
+                </p:childTnLst>
+              </p:cTn>
+              <p:prevCondLst>
+                <p:cond evt="onPrev" delay="0">
+                  <p:tgtEl>
+                    <p:sldTgt/>
+                  </p:tgtEl>
+                </p:cond>
+              </p:prevCondLst>
+              <p:nextCondLst>
+                <p:cond evt="onNext" delay="0">
+                  <p:tgtEl>
+                    <p:sldTgt/>
+                  </p:tgtEl>
+                </p:cond>
+              </p:nextCondLst>
+            </p:seq>
+          </p:childTnLst>
+        </p:cTn>
+      </p:par>
+    </p:tnLst>
+  </p:timing>
 </p:sld>
 </file>
 
@@ -4241,7 +4430,7 @@
         <p:cNvPr id="1" name="">
           <a:extLst>
             <a:ext uri="{FF2B5EF4-FFF2-40B4-BE49-F238E27FC236}">
-              <a16:creationId xmlns:a16="http://schemas.microsoft.com/office/drawing/2014/main" id="{8327838A-D6BF-531F-DDBD-213A09685161}"/>
+              <a16:creationId xmlns:a16="http://schemas.microsoft.com/office/drawing/2014/main" id="{A93A6FDA-FFBA-44A3-2228-F2FD908E1283}"/>
             </a:ext>
           </a:extLst>
         </p:cNvPr>
@@ -4261,7 +4450,7 @@
           <p:cNvPr id="2" name="Title 53">
             <a:extLst>
               <a:ext uri="{FF2B5EF4-FFF2-40B4-BE49-F238E27FC236}">
-                <a16:creationId xmlns:a16="http://schemas.microsoft.com/office/drawing/2014/main" id="{5694586A-F37A-8CA0-BE54-4639712432F7}"/>
+                <a16:creationId xmlns:a16="http://schemas.microsoft.com/office/drawing/2014/main" id="{9BE775E5-3107-A9EF-487F-F8F99DF337B5}"/>
               </a:ext>
             </a:extLst>
           </p:cNvPr>
@@ -4313,10 +4502,10 @@
       </p:sp>
       <p:sp>
         <p:nvSpPr>
-          <p:cNvPr id="3" name="TextBox 2">
-            <a:extLst>
-              <a:ext uri="{FF2B5EF4-FFF2-40B4-BE49-F238E27FC236}">
-                <a16:creationId xmlns:a16="http://schemas.microsoft.com/office/drawing/2014/main" id="{A28C91D4-CDDE-1ADB-64C9-5E19373F1406}"/>
+          <p:cNvPr id="12" name="TextBox 11">
+            <a:extLst>
+              <a:ext uri="{FF2B5EF4-FFF2-40B4-BE49-F238E27FC236}">
+                <a16:creationId xmlns:a16="http://schemas.microsoft.com/office/drawing/2014/main" id="{793674A0-C041-34D5-C546-BA128DA5D0DA}"/>
               </a:ext>
             </a:extLst>
           </p:cNvPr>
@@ -4325,8 +4514,8 @@
         </p:nvSpPr>
         <p:spPr>
           <a:xfrm>
-            <a:off x="838200" y="1197864"/>
-            <a:ext cx="4818883" cy="369332"/>
+            <a:off x="838200" y="1698909"/>
+            <a:ext cx="5480859" cy="461665"/>
           </a:xfrm>
           <a:prstGeom prst="rect">
             <a:avLst/>
@@ -4340,394 +4529,7 @@
           <a:lstStyle/>
           <a:p>
             <a:r>
-              <a:rPr lang="en-US" b="1" i="0" dirty="0">
-                <a:solidFill>
-                  <a:srgbClr val="1F1F1F"/>
-                </a:solidFill>
-                <a:effectLst/>
-                <a:latin typeface="Google Sans Text"/>
-              </a:rPr>
-              <a:t>What exactly does it mean to "proxy" a request?</a:t>
-            </a:r>
-            <a:endParaRPr lang="en-US" b="1" dirty="0"/>
-          </a:p>
-        </p:txBody>
-      </p:sp>
-      <p:sp>
-        <p:nvSpPr>
-          <p:cNvPr id="4" name="TextBox 3">
-            <a:extLst>
-              <a:ext uri="{FF2B5EF4-FFF2-40B4-BE49-F238E27FC236}">
-                <a16:creationId xmlns:a16="http://schemas.microsoft.com/office/drawing/2014/main" id="{2B259720-9F71-6DE2-2611-AD8FD43C3747}"/>
-              </a:ext>
-            </a:extLst>
-          </p:cNvPr>
-          <p:cNvSpPr txBox="1"/>
-          <p:nvPr/>
-        </p:nvSpPr>
-        <p:spPr>
-          <a:xfrm>
-            <a:off x="838200" y="1626264"/>
-            <a:ext cx="10594952" cy="369332"/>
-          </a:xfrm>
-          <a:prstGeom prst="rect">
-            <a:avLst/>
-          </a:prstGeom>
-          <a:noFill/>
-        </p:spPr>
-        <p:txBody>
-          <a:bodyPr wrap="none" rtlCol="0">
-            <a:spAutoFit/>
-          </a:bodyPr>
-          <a:lstStyle/>
-          <a:p>
-            <a:r>
-              <a:rPr lang="en-US" b="0" i="0" dirty="0">
-                <a:solidFill>
-                  <a:srgbClr val="1F1F1F"/>
-                </a:solidFill>
-                <a:effectLst/>
-                <a:latin typeface="Google Sans Text"/>
-              </a:rPr>
-              <a:t>It means to route a request through an intermediary server instead of sending it to a destination server directly</a:t>
-            </a:r>
-            <a:endParaRPr lang="en-US" dirty="0"/>
-          </a:p>
-        </p:txBody>
-      </p:sp>
-      <p:sp>
-        <p:nvSpPr>
-          <p:cNvPr id="5" name="TextBox 4">
-            <a:extLst>
-              <a:ext uri="{FF2B5EF4-FFF2-40B4-BE49-F238E27FC236}">
-                <a16:creationId xmlns:a16="http://schemas.microsoft.com/office/drawing/2014/main" id="{67BB1ED4-078A-E684-42F2-2B1599182A37}"/>
-              </a:ext>
-            </a:extLst>
-          </p:cNvPr>
-          <p:cNvSpPr txBox="1"/>
-          <p:nvPr/>
-        </p:nvSpPr>
-        <p:spPr>
-          <a:xfrm>
-            <a:off x="838200" y="2054664"/>
-            <a:ext cx="8454109" cy="369332"/>
-          </a:xfrm>
-          <a:prstGeom prst="rect">
-            <a:avLst/>
-          </a:prstGeom>
-          <a:noFill/>
-        </p:spPr>
-        <p:txBody>
-          <a:bodyPr wrap="none" rtlCol="0">
-            <a:spAutoFit/>
-          </a:bodyPr>
-          <a:lstStyle/>
-          <a:p>
-            <a:r>
-              <a:rPr lang="en-US" b="0" i="0" dirty="0">
-                <a:solidFill>
-                  <a:srgbClr val="1F1F1F"/>
-                </a:solidFill>
-                <a:effectLst/>
-                <a:latin typeface="Google Sans Text"/>
-              </a:rPr>
-              <a:t>A proxy server can modify the incoming request before it is sent to th</a:t>
-            </a:r>
-            <a:r>
-              <a:rPr lang="en-US" dirty="0">
-                <a:solidFill>
-                  <a:srgbClr val="1F1F1F"/>
-                </a:solidFill>
-                <a:latin typeface="Google Sans Text"/>
-              </a:rPr>
-              <a:t>e destination server</a:t>
-            </a:r>
-            <a:endParaRPr lang="en-US" dirty="0"/>
-          </a:p>
-        </p:txBody>
-      </p:sp>
-      <p:sp>
-        <p:nvSpPr>
-          <p:cNvPr id="6" name="TextBox 5">
-            <a:extLst>
-              <a:ext uri="{FF2B5EF4-FFF2-40B4-BE49-F238E27FC236}">
-                <a16:creationId xmlns:a16="http://schemas.microsoft.com/office/drawing/2014/main" id="{95E044E4-25F1-1DF9-9B90-5D69307A2E1E}"/>
-              </a:ext>
-            </a:extLst>
-          </p:cNvPr>
-          <p:cNvSpPr txBox="1"/>
-          <p:nvPr/>
-        </p:nvSpPr>
-        <p:spPr>
-          <a:xfrm>
-            <a:off x="838200" y="2483064"/>
-            <a:ext cx="4968733" cy="369332"/>
-          </a:xfrm>
-          <a:prstGeom prst="rect">
-            <a:avLst/>
-          </a:prstGeom>
-          <a:noFill/>
-        </p:spPr>
-        <p:txBody>
-          <a:bodyPr wrap="none" rtlCol="0">
-            <a:spAutoFit/>
-          </a:bodyPr>
-          <a:lstStyle/>
-          <a:p>
-            <a:r>
-              <a:rPr lang="en-US" b="0" i="0" dirty="0">
-                <a:solidFill>
-                  <a:srgbClr val="1F1F1F"/>
-                </a:solidFill>
-                <a:effectLst/>
-                <a:latin typeface="Google Sans Text"/>
-              </a:rPr>
-              <a:t>Data travels between servers over HTTP and HTTPS</a:t>
-            </a:r>
-            <a:endParaRPr lang="en-US" dirty="0"/>
-          </a:p>
-        </p:txBody>
-      </p:sp>
-      <p:sp>
-        <p:nvSpPr>
-          <p:cNvPr id="7" name="TextBox 6">
-            <a:extLst>
-              <a:ext uri="{FF2B5EF4-FFF2-40B4-BE49-F238E27FC236}">
-                <a16:creationId xmlns:a16="http://schemas.microsoft.com/office/drawing/2014/main" id="{0CA579B3-4981-9C35-E479-81FF99C05637}"/>
-              </a:ext>
-            </a:extLst>
-          </p:cNvPr>
-          <p:cNvSpPr txBox="1"/>
-          <p:nvPr/>
-        </p:nvSpPr>
-        <p:spPr>
-          <a:xfrm>
-            <a:off x="838200" y="3337446"/>
-            <a:ext cx="10039287" cy="369332"/>
-          </a:xfrm>
-          <a:prstGeom prst="rect">
-            <a:avLst/>
-          </a:prstGeom>
-          <a:noFill/>
-        </p:spPr>
-        <p:txBody>
-          <a:bodyPr wrap="none" rtlCol="0">
-            <a:spAutoFit/>
-          </a:bodyPr>
-          <a:lstStyle/>
-          <a:p>
-            <a:r>
-              <a:rPr lang="en-US" b="0" i="0" dirty="0">
-                <a:solidFill>
-                  <a:srgbClr val="1F1F1F"/>
-                </a:solidFill>
-                <a:effectLst/>
-                <a:latin typeface="Google Sans Text"/>
-              </a:rPr>
-              <a:t>Cancelling a request means the client (or a proxy in the call chain) has prematurely closed the connection</a:t>
-            </a:r>
-            <a:endParaRPr lang="en-US" dirty="0"/>
-          </a:p>
-        </p:txBody>
-      </p:sp>
-      <p:sp>
-        <p:nvSpPr>
-          <p:cNvPr id="8" name="TextBox 7">
-            <a:extLst>
-              <a:ext uri="{FF2B5EF4-FFF2-40B4-BE49-F238E27FC236}">
-                <a16:creationId xmlns:a16="http://schemas.microsoft.com/office/drawing/2014/main" id="{380CA1BF-4312-9DE6-D0DC-640EB2F7277D}"/>
-              </a:ext>
-            </a:extLst>
-          </p:cNvPr>
-          <p:cNvSpPr txBox="1"/>
-          <p:nvPr/>
-        </p:nvSpPr>
-        <p:spPr>
-          <a:xfrm>
-            <a:off x="838200" y="3765846"/>
-            <a:ext cx="10656828" cy="646331"/>
-          </a:xfrm>
-          <a:prstGeom prst="rect">
-            <a:avLst/>
-          </a:prstGeom>
-          <a:noFill/>
-        </p:spPr>
-        <p:txBody>
-          <a:bodyPr wrap="square" rtlCol="0">
-            <a:spAutoFit/>
-          </a:bodyPr>
-          <a:lstStyle/>
-          <a:p>
-            <a:r>
-              <a:rPr lang="en-US" b="0" i="0" dirty="0">
-                <a:solidFill>
-                  <a:srgbClr val="1F1F1F"/>
-                </a:solidFill>
-                <a:effectLst/>
-                <a:latin typeface="Google Sans Text"/>
-              </a:rPr>
-              <a:t>If you don’t opt-in to cancellation via CancellationTokens, your server endpoint will continue to run code even after the client has disconnected</a:t>
-            </a:r>
-            <a:endParaRPr lang="en-US" dirty="0"/>
-          </a:p>
-        </p:txBody>
-      </p:sp>
-      <p:sp>
-        <p:nvSpPr>
-          <p:cNvPr id="9" name="TextBox 8">
-            <a:extLst>
-              <a:ext uri="{FF2B5EF4-FFF2-40B4-BE49-F238E27FC236}">
-                <a16:creationId xmlns:a16="http://schemas.microsoft.com/office/drawing/2014/main" id="{B7921ADC-3640-9286-09EE-18F10448F2E4}"/>
-              </a:ext>
-            </a:extLst>
-          </p:cNvPr>
-          <p:cNvSpPr txBox="1"/>
-          <p:nvPr/>
-        </p:nvSpPr>
-        <p:spPr>
-          <a:xfrm>
-            <a:off x="838202" y="4863962"/>
-            <a:ext cx="4752519" cy="369332"/>
-          </a:xfrm>
-          <a:prstGeom prst="rect">
-            <a:avLst/>
-          </a:prstGeom>
-          <a:noFill/>
-        </p:spPr>
-        <p:txBody>
-          <a:bodyPr wrap="none" rtlCol="0">
-            <a:spAutoFit/>
-          </a:bodyPr>
-          <a:lstStyle/>
-          <a:p>
-            <a:r>
-              <a:rPr lang="en-US" b="0" i="0" dirty="0">
-                <a:solidFill>
-                  <a:srgbClr val="1F1F1F"/>
-                </a:solidFill>
-                <a:effectLst/>
-                <a:latin typeface="Google Sans Text"/>
-              </a:rPr>
-              <a:t>Streaming is the continuous transmission of data</a:t>
-            </a:r>
-            <a:endParaRPr lang="en-US" dirty="0"/>
-          </a:p>
-        </p:txBody>
-      </p:sp>
-      <p:sp>
-        <p:nvSpPr>
-          <p:cNvPr id="10" name="TextBox 9">
-            <a:extLst>
-              <a:ext uri="{FF2B5EF4-FFF2-40B4-BE49-F238E27FC236}">
-                <a16:creationId xmlns:a16="http://schemas.microsoft.com/office/drawing/2014/main" id="{9641855E-9657-AD91-05DF-3264EBD1F5A4}"/>
-              </a:ext>
-            </a:extLst>
-          </p:cNvPr>
-          <p:cNvSpPr txBox="1"/>
-          <p:nvPr/>
-        </p:nvSpPr>
-        <p:spPr>
-          <a:xfrm>
-            <a:off x="838201" y="5292362"/>
-            <a:ext cx="8592545" cy="369332"/>
-          </a:xfrm>
-          <a:prstGeom prst="rect">
-            <a:avLst/>
-          </a:prstGeom>
-          <a:noFill/>
-        </p:spPr>
-        <p:txBody>
-          <a:bodyPr wrap="none" rtlCol="0">
-            <a:spAutoFit/>
-          </a:bodyPr>
-          <a:lstStyle/>
-          <a:p>
-            <a:r>
-              <a:rPr lang="en-US" b="0" i="0" dirty="0">
-                <a:solidFill>
-                  <a:srgbClr val="1F1F1F"/>
-                </a:solidFill>
-                <a:effectLst/>
-                <a:latin typeface="Google Sans Text"/>
-              </a:rPr>
-              <a:t>Buffering is when data is pre-loaded in a temporary storage location (disk, cache, memory)</a:t>
-            </a:r>
-            <a:endParaRPr lang="en-US" dirty="0"/>
-          </a:p>
-        </p:txBody>
-      </p:sp>
-      <p:sp>
-        <p:nvSpPr>
-          <p:cNvPr id="11" name="TextBox 10">
-            <a:extLst>
-              <a:ext uri="{FF2B5EF4-FFF2-40B4-BE49-F238E27FC236}">
-                <a16:creationId xmlns:a16="http://schemas.microsoft.com/office/drawing/2014/main" id="{47B250A6-5CE3-4BEF-6AF2-4136A5548D1B}"/>
-              </a:ext>
-            </a:extLst>
-          </p:cNvPr>
-          <p:cNvSpPr txBox="1"/>
-          <p:nvPr/>
-        </p:nvSpPr>
-        <p:spPr>
-          <a:xfrm>
-            <a:off x="838200" y="5720762"/>
-            <a:ext cx="10656828" cy="646331"/>
-          </a:xfrm>
-          <a:prstGeom prst="rect">
-            <a:avLst/>
-          </a:prstGeom>
-          <a:noFill/>
-        </p:spPr>
-        <p:txBody>
-          <a:bodyPr wrap="square" rtlCol="0">
-            <a:spAutoFit/>
-          </a:bodyPr>
-          <a:lstStyle/>
-          <a:p>
-            <a:r>
-              <a:rPr lang="en-US" b="0" i="0" dirty="0">
-                <a:solidFill>
-                  <a:srgbClr val="1F1F1F"/>
-                </a:solidFill>
-                <a:effectLst/>
-                <a:latin typeface="Google Sans Text"/>
-              </a:rPr>
-              <a:t>Buffering can kill performance especially if it’s being done in an HTTP call chain that invokes a streaming-based endpoint</a:t>
-            </a:r>
-            <a:endParaRPr lang="en-US" dirty="0"/>
-          </a:p>
-        </p:txBody>
-      </p:sp>
-      <p:sp>
-        <p:nvSpPr>
-          <p:cNvPr id="12" name="TextBox 11">
-            <a:extLst>
-              <a:ext uri="{FF2B5EF4-FFF2-40B4-BE49-F238E27FC236}">
-                <a16:creationId xmlns:a16="http://schemas.microsoft.com/office/drawing/2014/main" id="{C3C30D1D-6705-2058-2EC1-704E4946597B}"/>
-              </a:ext>
-            </a:extLst>
-          </p:cNvPr>
-          <p:cNvSpPr txBox="1"/>
-          <p:nvPr/>
-        </p:nvSpPr>
-        <p:spPr>
-          <a:xfrm>
-            <a:off x="838199" y="2907101"/>
-            <a:ext cx="4150945" cy="369332"/>
-          </a:xfrm>
-          <a:prstGeom prst="rect">
-            <a:avLst/>
-          </a:prstGeom>
-          <a:noFill/>
-        </p:spPr>
-        <p:txBody>
-          <a:bodyPr wrap="none" rtlCol="0">
-            <a:spAutoFit/>
-          </a:bodyPr>
-          <a:lstStyle/>
-          <a:p>
-            <a:r>
-              <a:rPr lang="en-US" b="1" i="0" dirty="0">
+              <a:rPr lang="en-US" sz="2400" b="1" i="0" dirty="0">
                 <a:solidFill>
                   <a:srgbClr val="1F1F1F"/>
                 </a:solidFill>
@@ -4737,7 +4539,7 @@
               <a:t>What does it mean to “cance</a:t>
             </a:r>
             <a:r>
-              <a:rPr lang="en-US" b="1" dirty="0">
+              <a:rPr lang="en-US" sz="2400" b="1" dirty="0">
                 <a:solidFill>
                   <a:srgbClr val="1F1F1F"/>
                 </a:solidFill>
@@ -4745,16 +4547,963 @@
               </a:rPr>
               <a:t>l” a request?</a:t>
             </a:r>
-            <a:endParaRPr lang="en-US" b="1" dirty="0"/>
+            <a:endParaRPr lang="en-US" sz="2400" b="1" dirty="0"/>
+          </a:p>
+        </p:txBody>
+      </p:sp>
+      <p:grpSp>
+        <p:nvGrpSpPr>
+          <p:cNvPr id="11" name="Group 10">
+            <a:extLst>
+              <a:ext uri="{FF2B5EF4-FFF2-40B4-BE49-F238E27FC236}">
+                <a16:creationId xmlns:a16="http://schemas.microsoft.com/office/drawing/2014/main" id="{7328C083-A7DE-C6C7-303F-3B6174251316}"/>
+              </a:ext>
+            </a:extLst>
+          </p:cNvPr>
+          <p:cNvGrpSpPr/>
+          <p:nvPr/>
+        </p:nvGrpSpPr>
+        <p:grpSpPr>
+          <a:xfrm>
+            <a:off x="838200" y="2350617"/>
+            <a:ext cx="10670223" cy="615696"/>
+            <a:chOff x="838200" y="2350617"/>
+            <a:chExt cx="10670223" cy="615696"/>
+          </a:xfrm>
+        </p:grpSpPr>
+        <p:sp>
+          <p:nvSpPr>
+            <p:cNvPr id="7" name="TextBox 6">
+              <a:extLst>
+                <a:ext uri="{FF2B5EF4-FFF2-40B4-BE49-F238E27FC236}">
+                  <a16:creationId xmlns:a16="http://schemas.microsoft.com/office/drawing/2014/main" id="{2FA4CC2C-65AE-3657-5384-2346C654ABDA}"/>
+                </a:ext>
+              </a:extLst>
+            </p:cNvPr>
+            <p:cNvSpPr txBox="1"/>
+            <p:nvPr/>
+          </p:nvSpPr>
+          <p:spPr>
+            <a:xfrm>
+              <a:off x="1469136" y="2473799"/>
+              <a:ext cx="10039287" cy="369332"/>
+            </a:xfrm>
+            <a:prstGeom prst="rect">
+              <a:avLst/>
+            </a:prstGeom>
+            <a:noFill/>
+          </p:spPr>
+          <p:txBody>
+            <a:bodyPr wrap="none" rtlCol="0">
+              <a:spAutoFit/>
+            </a:bodyPr>
+            <a:lstStyle/>
+            <a:p>
+              <a:r>
+                <a:rPr lang="en-US" b="0" i="0" dirty="0">
+                  <a:solidFill>
+                    <a:srgbClr val="1F1F1F"/>
+                  </a:solidFill>
+                  <a:effectLst/>
+                  <a:latin typeface="Google Sans Text"/>
+                </a:rPr>
+                <a:t>Cancelling a request means the client (or a proxy in the call chain) has prematurely closed the connection</a:t>
+              </a:r>
+              <a:endParaRPr lang="en-US" dirty="0"/>
+            </a:p>
+          </p:txBody>
+        </p:sp>
+        <p:pic>
+          <p:nvPicPr>
+            <p:cNvPr id="3" name="Picture 2">
+              <a:extLst>
+                <a:ext uri="{FF2B5EF4-FFF2-40B4-BE49-F238E27FC236}">
+                  <a16:creationId xmlns:a16="http://schemas.microsoft.com/office/drawing/2014/main" id="{F9CE062B-630B-7283-D036-BAF5B2342CBA}"/>
+                </a:ext>
+              </a:extLst>
+            </p:cNvPr>
+            <p:cNvPicPr>
+              <a:picLocks noChangeAspect="1"/>
+            </p:cNvPicPr>
+            <p:nvPr/>
+          </p:nvPicPr>
+          <p:blipFill>
+            <a:blip r:embed="rId2"/>
+            <a:stretch>
+              <a:fillRect/>
+            </a:stretch>
+          </p:blipFill>
+          <p:spPr>
+            <a:xfrm>
+              <a:off x="838200" y="2350617"/>
+              <a:ext cx="615696" cy="615696"/>
+            </a:xfrm>
+            <a:prstGeom prst="rect">
+              <a:avLst/>
+            </a:prstGeom>
+          </p:spPr>
+        </p:pic>
+      </p:grpSp>
+      <p:grpSp>
+        <p:nvGrpSpPr>
+          <p:cNvPr id="13" name="Group 12">
+            <a:extLst>
+              <a:ext uri="{FF2B5EF4-FFF2-40B4-BE49-F238E27FC236}">
+                <a16:creationId xmlns:a16="http://schemas.microsoft.com/office/drawing/2014/main" id="{DA203762-1525-E1A0-97EA-95307F202777}"/>
+              </a:ext>
+            </a:extLst>
+          </p:cNvPr>
+          <p:cNvGrpSpPr/>
+          <p:nvPr/>
+        </p:nvGrpSpPr>
+        <p:grpSpPr>
+          <a:xfrm>
+            <a:off x="838200" y="2966313"/>
+            <a:ext cx="5453025" cy="615696"/>
+            <a:chOff x="838200" y="2966313"/>
+            <a:chExt cx="5453025" cy="615696"/>
+          </a:xfrm>
+        </p:grpSpPr>
+        <p:sp>
+          <p:nvSpPr>
+            <p:cNvPr id="15" name="TextBox 14">
+              <a:extLst>
+                <a:ext uri="{FF2B5EF4-FFF2-40B4-BE49-F238E27FC236}">
+                  <a16:creationId xmlns:a16="http://schemas.microsoft.com/office/drawing/2014/main" id="{358E9CEC-BEDD-0BBA-D34B-F0BDBAB5E4BD}"/>
+                </a:ext>
+              </a:extLst>
+            </p:cNvPr>
+            <p:cNvSpPr txBox="1"/>
+            <p:nvPr/>
+          </p:nvSpPr>
+          <p:spPr>
+            <a:xfrm>
+              <a:off x="1469136" y="3089495"/>
+              <a:ext cx="4822089" cy="369332"/>
+            </a:xfrm>
+            <a:prstGeom prst="rect">
+              <a:avLst/>
+            </a:prstGeom>
+            <a:noFill/>
+          </p:spPr>
+          <p:txBody>
+            <a:bodyPr wrap="none" rtlCol="0">
+              <a:spAutoFit/>
+            </a:bodyPr>
+            <a:lstStyle/>
+            <a:p>
+              <a:r>
+                <a:rPr lang="en-US" b="0" i="0" dirty="0">
+                  <a:solidFill>
+                    <a:srgbClr val="1F1F1F"/>
+                  </a:solidFill>
+                  <a:effectLst/>
+                  <a:latin typeface="Google Sans Text"/>
+                </a:rPr>
+                <a:t>The following actions are all forms of cancellation</a:t>
+              </a:r>
+              <a:endParaRPr lang="en-US" dirty="0"/>
+            </a:p>
+          </p:txBody>
+        </p:sp>
+        <p:pic>
+          <p:nvPicPr>
+            <p:cNvPr id="4" name="Picture 3">
+              <a:extLst>
+                <a:ext uri="{FF2B5EF4-FFF2-40B4-BE49-F238E27FC236}">
+                  <a16:creationId xmlns:a16="http://schemas.microsoft.com/office/drawing/2014/main" id="{995D39C7-518C-54CE-985B-69E97CF45587}"/>
+                </a:ext>
+              </a:extLst>
+            </p:cNvPr>
+            <p:cNvPicPr>
+              <a:picLocks noChangeAspect="1"/>
+            </p:cNvPicPr>
+            <p:nvPr/>
+          </p:nvPicPr>
+          <p:blipFill>
+            <a:blip r:embed="rId2"/>
+            <a:stretch>
+              <a:fillRect/>
+            </a:stretch>
+          </p:blipFill>
+          <p:spPr>
+            <a:xfrm>
+              <a:off x="838200" y="2966313"/>
+              <a:ext cx="615696" cy="615696"/>
+            </a:xfrm>
+            <a:prstGeom prst="rect">
+              <a:avLst/>
+            </a:prstGeom>
+          </p:spPr>
+        </p:pic>
+      </p:grpSp>
+      <p:grpSp>
+        <p:nvGrpSpPr>
+          <p:cNvPr id="14" name="Group 13">
+            <a:extLst>
+              <a:ext uri="{FF2B5EF4-FFF2-40B4-BE49-F238E27FC236}">
+                <a16:creationId xmlns:a16="http://schemas.microsoft.com/office/drawing/2014/main" id="{DB70E3A3-AF54-BD6F-6EDA-A8DC7F06934F}"/>
+              </a:ext>
+            </a:extLst>
+          </p:cNvPr>
+          <p:cNvGrpSpPr/>
+          <p:nvPr/>
+        </p:nvGrpSpPr>
+        <p:grpSpPr>
+          <a:xfrm>
+            <a:off x="1453896" y="3520324"/>
+            <a:ext cx="3287672" cy="615696"/>
+            <a:chOff x="1453896" y="3520324"/>
+            <a:chExt cx="3287672" cy="615696"/>
+          </a:xfrm>
+        </p:grpSpPr>
+        <p:sp>
+          <p:nvSpPr>
+            <p:cNvPr id="16" name="TextBox 15">
+              <a:extLst>
+                <a:ext uri="{FF2B5EF4-FFF2-40B4-BE49-F238E27FC236}">
+                  <a16:creationId xmlns:a16="http://schemas.microsoft.com/office/drawing/2014/main" id="{24D583C7-D1F2-A4FF-2412-1A79E1A2A6F4}"/>
+                </a:ext>
+              </a:extLst>
+            </p:cNvPr>
+            <p:cNvSpPr txBox="1"/>
+            <p:nvPr/>
+          </p:nvSpPr>
+          <p:spPr>
+            <a:xfrm>
+              <a:off x="2191511" y="3643506"/>
+              <a:ext cx="2550057" cy="369332"/>
+            </a:xfrm>
+            <a:prstGeom prst="rect">
+              <a:avLst/>
+            </a:prstGeom>
+            <a:noFill/>
+          </p:spPr>
+          <p:txBody>
+            <a:bodyPr wrap="none" rtlCol="0">
+              <a:spAutoFit/>
+            </a:bodyPr>
+            <a:lstStyle/>
+            <a:p>
+              <a:r>
+                <a:rPr lang="en-US" b="0" i="0" dirty="0">
+                  <a:solidFill>
+                    <a:srgbClr val="1F1F1F"/>
+                  </a:solidFill>
+                  <a:effectLst/>
+                  <a:latin typeface="Google Sans Text"/>
+                </a:rPr>
+                <a:t>Forcibly closing the client</a:t>
+              </a:r>
+              <a:endParaRPr lang="en-US" dirty="0"/>
+            </a:p>
+          </p:txBody>
+        </p:sp>
+        <p:pic>
+          <p:nvPicPr>
+            <p:cNvPr id="5" name="Picture 4">
+              <a:extLst>
+                <a:ext uri="{FF2B5EF4-FFF2-40B4-BE49-F238E27FC236}">
+                  <a16:creationId xmlns:a16="http://schemas.microsoft.com/office/drawing/2014/main" id="{E471DCAF-EF36-A6B1-0104-072AA82DD70D}"/>
+                </a:ext>
+              </a:extLst>
+            </p:cNvPr>
+            <p:cNvPicPr>
+              <a:picLocks noChangeAspect="1"/>
+            </p:cNvPicPr>
+            <p:nvPr/>
+          </p:nvPicPr>
+          <p:blipFill>
+            <a:blip r:embed="rId2"/>
+            <a:stretch>
+              <a:fillRect/>
+            </a:stretch>
+          </p:blipFill>
+          <p:spPr>
+            <a:xfrm>
+              <a:off x="1453896" y="3520324"/>
+              <a:ext cx="615696" cy="615696"/>
+            </a:xfrm>
+            <a:prstGeom prst="rect">
+              <a:avLst/>
+            </a:prstGeom>
+          </p:spPr>
+        </p:pic>
+      </p:grpSp>
+      <p:grpSp>
+        <p:nvGrpSpPr>
+          <p:cNvPr id="19" name="Group 18">
+            <a:extLst>
+              <a:ext uri="{FF2B5EF4-FFF2-40B4-BE49-F238E27FC236}">
+                <a16:creationId xmlns:a16="http://schemas.microsoft.com/office/drawing/2014/main" id="{3FE12AC0-B198-1701-40CD-D3A06E350815}"/>
+              </a:ext>
+            </a:extLst>
+          </p:cNvPr>
+          <p:cNvGrpSpPr/>
+          <p:nvPr/>
+        </p:nvGrpSpPr>
+        <p:grpSpPr>
+          <a:xfrm>
+            <a:off x="1453896" y="4092504"/>
+            <a:ext cx="2786061" cy="615696"/>
+            <a:chOff x="1453896" y="4092504"/>
+            <a:chExt cx="2786061" cy="615696"/>
+          </a:xfrm>
+        </p:grpSpPr>
+        <p:sp>
+          <p:nvSpPr>
+            <p:cNvPr id="17" name="TextBox 16">
+              <a:extLst>
+                <a:ext uri="{FF2B5EF4-FFF2-40B4-BE49-F238E27FC236}">
+                  <a16:creationId xmlns:a16="http://schemas.microsoft.com/office/drawing/2014/main" id="{4D3C9504-E06D-2A23-40B9-6E38DFA3D149}"/>
+                </a:ext>
+              </a:extLst>
+            </p:cNvPr>
+            <p:cNvSpPr txBox="1"/>
+            <p:nvPr/>
+          </p:nvSpPr>
+          <p:spPr>
+            <a:xfrm>
+              <a:off x="2191511" y="4215686"/>
+              <a:ext cx="2048446" cy="369332"/>
+            </a:xfrm>
+            <a:prstGeom prst="rect">
+              <a:avLst/>
+            </a:prstGeom>
+            <a:noFill/>
+          </p:spPr>
+          <p:txBody>
+            <a:bodyPr wrap="none" rtlCol="0">
+              <a:spAutoFit/>
+            </a:bodyPr>
+            <a:lstStyle/>
+            <a:p>
+              <a:r>
+                <a:rPr lang="en-US" dirty="0">
+                  <a:solidFill>
+                    <a:srgbClr val="1F1F1F"/>
+                  </a:solidFill>
+                  <a:latin typeface="Google Sans Text"/>
+                </a:rPr>
+                <a:t>The client times out</a:t>
+              </a:r>
+              <a:endParaRPr lang="en-US" dirty="0"/>
+            </a:p>
+          </p:txBody>
+        </p:sp>
+        <p:pic>
+          <p:nvPicPr>
+            <p:cNvPr id="6" name="Picture 5">
+              <a:extLst>
+                <a:ext uri="{FF2B5EF4-FFF2-40B4-BE49-F238E27FC236}">
+                  <a16:creationId xmlns:a16="http://schemas.microsoft.com/office/drawing/2014/main" id="{8199AC92-DDF8-E376-CE14-5803B47BAB02}"/>
+                </a:ext>
+              </a:extLst>
+            </p:cNvPr>
+            <p:cNvPicPr>
+              <a:picLocks noChangeAspect="1"/>
+            </p:cNvPicPr>
+            <p:nvPr/>
+          </p:nvPicPr>
+          <p:blipFill>
+            <a:blip r:embed="rId2"/>
+            <a:stretch>
+              <a:fillRect/>
+            </a:stretch>
+          </p:blipFill>
+          <p:spPr>
+            <a:xfrm>
+              <a:off x="1453896" y="4092504"/>
+              <a:ext cx="615696" cy="615696"/>
+            </a:xfrm>
+            <a:prstGeom prst="rect">
+              <a:avLst/>
+            </a:prstGeom>
+          </p:spPr>
+        </p:pic>
+      </p:grpSp>
+      <p:grpSp>
+        <p:nvGrpSpPr>
+          <p:cNvPr id="20" name="Group 19">
+            <a:extLst>
+              <a:ext uri="{FF2B5EF4-FFF2-40B4-BE49-F238E27FC236}">
+                <a16:creationId xmlns:a16="http://schemas.microsoft.com/office/drawing/2014/main" id="{83543500-AA84-3953-981D-F22416104F92}"/>
+              </a:ext>
+            </a:extLst>
+          </p:cNvPr>
+          <p:cNvGrpSpPr/>
+          <p:nvPr/>
+        </p:nvGrpSpPr>
+        <p:grpSpPr>
+          <a:xfrm>
+            <a:off x="1453896" y="4679892"/>
+            <a:ext cx="3211049" cy="615696"/>
+            <a:chOff x="1453896" y="4679892"/>
+            <a:chExt cx="3211049" cy="615696"/>
+          </a:xfrm>
+        </p:grpSpPr>
+        <p:sp>
+          <p:nvSpPr>
+            <p:cNvPr id="18" name="TextBox 17">
+              <a:extLst>
+                <a:ext uri="{FF2B5EF4-FFF2-40B4-BE49-F238E27FC236}">
+                  <a16:creationId xmlns:a16="http://schemas.microsoft.com/office/drawing/2014/main" id="{551C5963-4F68-1FDB-13B5-95054EB2525A}"/>
+                </a:ext>
+              </a:extLst>
+            </p:cNvPr>
+            <p:cNvSpPr txBox="1"/>
+            <p:nvPr/>
+          </p:nvSpPr>
+          <p:spPr>
+            <a:xfrm>
+              <a:off x="2191511" y="4803074"/>
+              <a:ext cx="2473434" cy="369332"/>
+            </a:xfrm>
+            <a:prstGeom prst="rect">
+              <a:avLst/>
+            </a:prstGeom>
+            <a:noFill/>
+          </p:spPr>
+          <p:txBody>
+            <a:bodyPr wrap="none" rtlCol="0">
+              <a:spAutoFit/>
+            </a:bodyPr>
+            <a:lstStyle/>
+            <a:p>
+              <a:r>
+                <a:rPr lang="en-US" dirty="0">
+                  <a:solidFill>
+                    <a:srgbClr val="1F1F1F"/>
+                  </a:solidFill>
+                  <a:latin typeface="Google Sans Text"/>
+                </a:rPr>
+                <a:t>A proxy server times out</a:t>
+              </a:r>
+              <a:endParaRPr lang="en-US" dirty="0"/>
+            </a:p>
+          </p:txBody>
+        </p:sp>
+        <p:pic>
+          <p:nvPicPr>
+            <p:cNvPr id="9" name="Picture 8">
+              <a:extLst>
+                <a:ext uri="{FF2B5EF4-FFF2-40B4-BE49-F238E27FC236}">
+                  <a16:creationId xmlns:a16="http://schemas.microsoft.com/office/drawing/2014/main" id="{D96738B5-80C6-2D05-2636-4A3586CE4A32}"/>
+                </a:ext>
+              </a:extLst>
+            </p:cNvPr>
+            <p:cNvPicPr>
+              <a:picLocks noChangeAspect="1"/>
+            </p:cNvPicPr>
+            <p:nvPr/>
+          </p:nvPicPr>
+          <p:blipFill>
+            <a:blip r:embed="rId2"/>
+            <a:stretch>
+              <a:fillRect/>
+            </a:stretch>
+          </p:blipFill>
+          <p:spPr>
+            <a:xfrm>
+              <a:off x="1453896" y="4679892"/>
+              <a:ext cx="615696" cy="615696"/>
+            </a:xfrm>
+            <a:prstGeom prst="rect">
+              <a:avLst/>
+            </a:prstGeom>
+          </p:spPr>
+        </p:pic>
+      </p:grpSp>
+      <p:grpSp>
+        <p:nvGrpSpPr>
+          <p:cNvPr id="21" name="Group 20">
+            <a:extLst>
+              <a:ext uri="{FF2B5EF4-FFF2-40B4-BE49-F238E27FC236}">
+                <a16:creationId xmlns:a16="http://schemas.microsoft.com/office/drawing/2014/main" id="{9A2FF55B-199A-B1F0-1EEC-2797D2F91D4D}"/>
+              </a:ext>
+            </a:extLst>
+          </p:cNvPr>
+          <p:cNvGrpSpPr/>
+          <p:nvPr/>
+        </p:nvGrpSpPr>
+        <p:grpSpPr>
+          <a:xfrm>
+            <a:off x="838200" y="5377984"/>
+            <a:ext cx="11287764" cy="646331"/>
+            <a:chOff x="838200" y="5377984"/>
+            <a:chExt cx="11287764" cy="646331"/>
+          </a:xfrm>
+        </p:grpSpPr>
+        <p:sp>
+          <p:nvSpPr>
+            <p:cNvPr id="8" name="TextBox 7">
+              <a:extLst>
+                <a:ext uri="{FF2B5EF4-FFF2-40B4-BE49-F238E27FC236}">
+                  <a16:creationId xmlns:a16="http://schemas.microsoft.com/office/drawing/2014/main" id="{22335306-701B-4D70-CD01-55D3203C2195}"/>
+                </a:ext>
+              </a:extLst>
+            </p:cNvPr>
+            <p:cNvSpPr txBox="1"/>
+            <p:nvPr/>
+          </p:nvSpPr>
+          <p:spPr>
+            <a:xfrm>
+              <a:off x="1469136" y="5377984"/>
+              <a:ext cx="10656828" cy="646331"/>
+            </a:xfrm>
+            <a:prstGeom prst="rect">
+              <a:avLst/>
+            </a:prstGeom>
+            <a:noFill/>
+          </p:spPr>
+          <p:txBody>
+            <a:bodyPr wrap="square" rtlCol="0">
+              <a:spAutoFit/>
+            </a:bodyPr>
+            <a:lstStyle/>
+            <a:p>
+              <a:r>
+                <a:rPr lang="en-US" b="0" i="0" dirty="0">
+                  <a:solidFill>
+                    <a:srgbClr val="1F1F1F"/>
+                  </a:solidFill>
+                  <a:effectLst/>
+                  <a:latin typeface="Google Sans Text"/>
+                </a:rPr>
+                <a:t>If you don’t opt-in to cancellation via CancellationTokens, your server endpoint will continue to run code even after the client has disconnected</a:t>
+              </a:r>
+              <a:endParaRPr lang="en-US" dirty="0"/>
+            </a:p>
+          </p:txBody>
+        </p:sp>
+        <p:pic>
+          <p:nvPicPr>
+            <p:cNvPr id="10" name="Picture 9">
+              <a:extLst>
+                <a:ext uri="{FF2B5EF4-FFF2-40B4-BE49-F238E27FC236}">
+                  <a16:creationId xmlns:a16="http://schemas.microsoft.com/office/drawing/2014/main" id="{CD29E6F2-037A-6FB1-8AAE-B40403751F60}"/>
+                </a:ext>
+              </a:extLst>
+            </p:cNvPr>
+            <p:cNvPicPr>
+              <a:picLocks noChangeAspect="1"/>
+            </p:cNvPicPr>
+            <p:nvPr/>
+          </p:nvPicPr>
+          <p:blipFill>
+            <a:blip r:embed="rId2"/>
+            <a:stretch>
+              <a:fillRect/>
+            </a:stretch>
+          </p:blipFill>
+          <p:spPr>
+            <a:xfrm>
+              <a:off x="838200" y="5393301"/>
+              <a:ext cx="615696" cy="615696"/>
+            </a:xfrm>
+            <a:prstGeom prst="rect">
+              <a:avLst/>
+            </a:prstGeom>
+          </p:spPr>
+        </p:pic>
+      </p:grpSp>
+    </p:spTree>
+    <p:extLst>
+      <p:ext uri="{BB962C8B-B14F-4D97-AF65-F5344CB8AC3E}">
+        <p14:creationId xmlns:p14="http://schemas.microsoft.com/office/powerpoint/2010/main" val="4152589934"/>
+      </p:ext>
+    </p:extLst>
+  </p:cSld>
+  <p:clrMapOvr>
+    <a:masterClrMapping/>
+  </p:clrMapOvr>
+  <p:timing>
+    <p:tnLst>
+      <p:par>
+        <p:cTn id="1" dur="indefinite" restart="never" nodeType="tmRoot">
+          <p:childTnLst>
+            <p:seq concurrent="1" nextAc="seek">
+              <p:cTn id="2" dur="indefinite" nodeType="mainSeq">
+                <p:childTnLst>
+                  <p:par>
+                    <p:cTn id="3" fill="hold">
+                      <p:stCondLst>
+                        <p:cond delay="indefinite"/>
+                      </p:stCondLst>
+                      <p:childTnLst>
+                        <p:par>
+                          <p:cTn id="4" fill="hold">
+                            <p:stCondLst>
+                              <p:cond delay="0"/>
+                            </p:stCondLst>
+                            <p:childTnLst>
+                              <p:par>
+                                <p:cTn id="5" presetID="1" presetClass="entr" presetSubtype="0" fill="hold" nodeType="clickEffect">
+                                  <p:stCondLst>
+                                    <p:cond delay="0"/>
+                                  </p:stCondLst>
+                                  <p:childTnLst>
+                                    <p:set>
+                                      <p:cBhvr>
+                                        <p:cTn id="6" dur="1" fill="hold">
+                                          <p:stCondLst>
+                                            <p:cond delay="0"/>
+                                          </p:stCondLst>
+                                        </p:cTn>
+                                        <p:tgtEl>
+                                          <p:spTgt spid="11"/>
+                                        </p:tgtEl>
+                                        <p:attrNameLst>
+                                          <p:attrName>style.visibility</p:attrName>
+                                        </p:attrNameLst>
+                                      </p:cBhvr>
+                                      <p:to>
+                                        <p:strVal val="visible"/>
+                                      </p:to>
+                                    </p:set>
+                                  </p:childTnLst>
+                                </p:cTn>
+                              </p:par>
+                            </p:childTnLst>
+                          </p:cTn>
+                        </p:par>
+                      </p:childTnLst>
+                    </p:cTn>
+                  </p:par>
+                  <p:par>
+                    <p:cTn id="7" fill="hold">
+                      <p:stCondLst>
+                        <p:cond delay="indefinite"/>
+                      </p:stCondLst>
+                      <p:childTnLst>
+                        <p:par>
+                          <p:cTn id="8" fill="hold">
+                            <p:stCondLst>
+                              <p:cond delay="0"/>
+                            </p:stCondLst>
+                            <p:childTnLst>
+                              <p:par>
+                                <p:cTn id="9" presetID="1" presetClass="entr" presetSubtype="0" fill="hold" nodeType="clickEffect">
+                                  <p:stCondLst>
+                                    <p:cond delay="0"/>
+                                  </p:stCondLst>
+                                  <p:childTnLst>
+                                    <p:set>
+                                      <p:cBhvr>
+                                        <p:cTn id="10" dur="1" fill="hold">
+                                          <p:stCondLst>
+                                            <p:cond delay="0"/>
+                                          </p:stCondLst>
+                                        </p:cTn>
+                                        <p:tgtEl>
+                                          <p:spTgt spid="13"/>
+                                        </p:tgtEl>
+                                        <p:attrNameLst>
+                                          <p:attrName>style.visibility</p:attrName>
+                                        </p:attrNameLst>
+                                      </p:cBhvr>
+                                      <p:to>
+                                        <p:strVal val="visible"/>
+                                      </p:to>
+                                    </p:set>
+                                  </p:childTnLst>
+                                </p:cTn>
+                              </p:par>
+                            </p:childTnLst>
+                          </p:cTn>
+                        </p:par>
+                      </p:childTnLst>
+                    </p:cTn>
+                  </p:par>
+                  <p:par>
+                    <p:cTn id="11" fill="hold">
+                      <p:stCondLst>
+                        <p:cond delay="indefinite"/>
+                      </p:stCondLst>
+                      <p:childTnLst>
+                        <p:par>
+                          <p:cTn id="12" fill="hold">
+                            <p:stCondLst>
+                              <p:cond delay="0"/>
+                            </p:stCondLst>
+                            <p:childTnLst>
+                              <p:par>
+                                <p:cTn id="13" presetID="1" presetClass="entr" presetSubtype="0" fill="hold" nodeType="clickEffect">
+                                  <p:stCondLst>
+                                    <p:cond delay="0"/>
+                                  </p:stCondLst>
+                                  <p:childTnLst>
+                                    <p:set>
+                                      <p:cBhvr>
+                                        <p:cTn id="14" dur="1" fill="hold">
+                                          <p:stCondLst>
+                                            <p:cond delay="0"/>
+                                          </p:stCondLst>
+                                        </p:cTn>
+                                        <p:tgtEl>
+                                          <p:spTgt spid="14"/>
+                                        </p:tgtEl>
+                                        <p:attrNameLst>
+                                          <p:attrName>style.visibility</p:attrName>
+                                        </p:attrNameLst>
+                                      </p:cBhvr>
+                                      <p:to>
+                                        <p:strVal val="visible"/>
+                                      </p:to>
+                                    </p:set>
+                                  </p:childTnLst>
+                                </p:cTn>
+                              </p:par>
+                            </p:childTnLst>
+                          </p:cTn>
+                        </p:par>
+                      </p:childTnLst>
+                    </p:cTn>
+                  </p:par>
+                  <p:par>
+                    <p:cTn id="15" fill="hold">
+                      <p:stCondLst>
+                        <p:cond delay="indefinite"/>
+                      </p:stCondLst>
+                      <p:childTnLst>
+                        <p:par>
+                          <p:cTn id="16" fill="hold">
+                            <p:stCondLst>
+                              <p:cond delay="0"/>
+                            </p:stCondLst>
+                            <p:childTnLst>
+                              <p:par>
+                                <p:cTn id="17" presetID="1" presetClass="entr" presetSubtype="0" fill="hold" nodeType="clickEffect">
+                                  <p:stCondLst>
+                                    <p:cond delay="0"/>
+                                  </p:stCondLst>
+                                  <p:childTnLst>
+                                    <p:set>
+                                      <p:cBhvr>
+                                        <p:cTn id="18" dur="1" fill="hold">
+                                          <p:stCondLst>
+                                            <p:cond delay="0"/>
+                                          </p:stCondLst>
+                                        </p:cTn>
+                                        <p:tgtEl>
+                                          <p:spTgt spid="19"/>
+                                        </p:tgtEl>
+                                        <p:attrNameLst>
+                                          <p:attrName>style.visibility</p:attrName>
+                                        </p:attrNameLst>
+                                      </p:cBhvr>
+                                      <p:to>
+                                        <p:strVal val="visible"/>
+                                      </p:to>
+                                    </p:set>
+                                  </p:childTnLst>
+                                </p:cTn>
+                              </p:par>
+                            </p:childTnLst>
+                          </p:cTn>
+                        </p:par>
+                      </p:childTnLst>
+                    </p:cTn>
+                  </p:par>
+                  <p:par>
+                    <p:cTn id="19" fill="hold">
+                      <p:stCondLst>
+                        <p:cond delay="indefinite"/>
+                      </p:stCondLst>
+                      <p:childTnLst>
+                        <p:par>
+                          <p:cTn id="20" fill="hold">
+                            <p:stCondLst>
+                              <p:cond delay="0"/>
+                            </p:stCondLst>
+                            <p:childTnLst>
+                              <p:par>
+                                <p:cTn id="21" presetID="1" presetClass="entr" presetSubtype="0" fill="hold" nodeType="clickEffect">
+                                  <p:stCondLst>
+                                    <p:cond delay="0"/>
+                                  </p:stCondLst>
+                                  <p:childTnLst>
+                                    <p:set>
+                                      <p:cBhvr>
+                                        <p:cTn id="22" dur="1" fill="hold">
+                                          <p:stCondLst>
+                                            <p:cond delay="0"/>
+                                          </p:stCondLst>
+                                        </p:cTn>
+                                        <p:tgtEl>
+                                          <p:spTgt spid="20"/>
+                                        </p:tgtEl>
+                                        <p:attrNameLst>
+                                          <p:attrName>style.visibility</p:attrName>
+                                        </p:attrNameLst>
+                                      </p:cBhvr>
+                                      <p:to>
+                                        <p:strVal val="visible"/>
+                                      </p:to>
+                                    </p:set>
+                                  </p:childTnLst>
+                                </p:cTn>
+                              </p:par>
+                            </p:childTnLst>
+                          </p:cTn>
+                        </p:par>
+                      </p:childTnLst>
+                    </p:cTn>
+                  </p:par>
+                  <p:par>
+                    <p:cTn id="23" fill="hold">
+                      <p:stCondLst>
+                        <p:cond delay="indefinite"/>
+                      </p:stCondLst>
+                      <p:childTnLst>
+                        <p:par>
+                          <p:cTn id="24" fill="hold">
+                            <p:stCondLst>
+                              <p:cond delay="0"/>
+                            </p:stCondLst>
+                            <p:childTnLst>
+                              <p:par>
+                                <p:cTn id="25" presetID="1" presetClass="entr" presetSubtype="0" fill="hold" nodeType="clickEffect">
+                                  <p:stCondLst>
+                                    <p:cond delay="0"/>
+                                  </p:stCondLst>
+                                  <p:childTnLst>
+                                    <p:set>
+                                      <p:cBhvr>
+                                        <p:cTn id="26" dur="1" fill="hold">
+                                          <p:stCondLst>
+                                            <p:cond delay="0"/>
+                                          </p:stCondLst>
+                                        </p:cTn>
+                                        <p:tgtEl>
+                                          <p:spTgt spid="21"/>
+                                        </p:tgtEl>
+                                        <p:attrNameLst>
+                                          <p:attrName>style.visibility</p:attrName>
+                                        </p:attrNameLst>
+                                      </p:cBhvr>
+                                      <p:to>
+                                        <p:strVal val="visible"/>
+                                      </p:to>
+                                    </p:set>
+                                  </p:childTnLst>
+                                </p:cTn>
+                              </p:par>
+                            </p:childTnLst>
+                          </p:cTn>
+                        </p:par>
+                      </p:childTnLst>
+                    </p:cTn>
+                  </p:par>
+                </p:childTnLst>
+              </p:cTn>
+              <p:prevCondLst>
+                <p:cond evt="onPrev" delay="0">
+                  <p:tgtEl>
+                    <p:sldTgt/>
+                  </p:tgtEl>
+                </p:cond>
+              </p:prevCondLst>
+              <p:nextCondLst>
+                <p:cond evt="onNext" delay="0">
+                  <p:tgtEl>
+                    <p:sldTgt/>
+                  </p:tgtEl>
+                </p:cond>
+              </p:nextCondLst>
+            </p:seq>
+          </p:childTnLst>
+        </p:cTn>
+      </p:par>
+    </p:tnLst>
+  </p:timing>
+</p:sld>
+</file>
+
+<file path=ppt/slides/slide12.xml><?xml version="1.0" encoding="utf-8"?>
+<p:sld xmlns:a="http://schemas.openxmlformats.org/drawingml/2006/main" xmlns:r="http://schemas.openxmlformats.org/officeDocument/2006/relationships" xmlns:p="http://schemas.openxmlformats.org/presentationml/2006/main">
+  <p:cSld>
+    <p:spTree>
+      <p:nvGrpSpPr>
+        <p:cNvPr id="1" name="">
+          <a:extLst>
+            <a:ext uri="{FF2B5EF4-FFF2-40B4-BE49-F238E27FC236}">
+              <a16:creationId xmlns:a16="http://schemas.microsoft.com/office/drawing/2014/main" id="{305F38C1-F6A9-68AB-8E9F-14FBBFC4C6A4}"/>
+            </a:ext>
+          </a:extLst>
+        </p:cNvPr>
+        <p:cNvGrpSpPr/>
+        <p:nvPr/>
+      </p:nvGrpSpPr>
+      <p:grpSpPr>
+        <a:xfrm>
+          <a:off x="0" y="0"/>
+          <a:ext cx="0" cy="0"/>
+          <a:chOff x="0" y="0"/>
+          <a:chExt cx="0" cy="0"/>
+        </a:xfrm>
+      </p:grpSpPr>
+      <p:sp>
+        <p:nvSpPr>
+          <p:cNvPr id="2" name="Title 53">
+            <a:extLst>
+              <a:ext uri="{FF2B5EF4-FFF2-40B4-BE49-F238E27FC236}">
+                <a16:creationId xmlns:a16="http://schemas.microsoft.com/office/drawing/2014/main" id="{DD3B7859-160C-F8C3-97CC-146094D7FE98}"/>
+              </a:ext>
+            </a:extLst>
+          </p:cNvPr>
+          <p:cNvSpPr txBox="1">
+            <a:spLocks/>
+          </p:cNvSpPr>
+          <p:nvPr/>
+        </p:nvSpPr>
+        <p:spPr>
+          <a:xfrm>
+            <a:off x="838200" y="365126"/>
+            <a:ext cx="10515600" cy="651226"/>
+          </a:xfrm>
+          <a:prstGeom prst="rect">
+            <a:avLst/>
+          </a:prstGeom>
+        </p:spPr>
+        <p:txBody>
+          <a:bodyPr>
+            <a:normAutofit fontScale="97500" lnSpcReduction="10000"/>
+          </a:bodyPr>
+          <a:lstStyle>
+            <a:lvl1pPr algn="l" defTabSz="914400" rtl="0" eaLnBrk="1" latinLnBrk="0" hangingPunct="1">
+              <a:lnSpc>
+                <a:spcPct val="90000"/>
+              </a:lnSpc>
+              <a:spcBef>
+                <a:spcPct val="0"/>
+              </a:spcBef>
+              <a:buNone/>
+              <a:defRPr sz="4400" kern="1200">
+                <a:solidFill>
+                  <a:schemeClr val="tx1"/>
+                </a:solidFill>
+                <a:latin typeface="+mj-lt"/>
+                <a:ea typeface="+mj-ea"/>
+                <a:cs typeface="+mj-cs"/>
+              </a:defRPr>
+            </a:lvl1pPr>
+          </a:lstStyle>
+          <a:p>
+            <a:pPr algn="ctr"/>
+            <a:r>
+              <a:rPr lang="en-US" dirty="0"/>
+              <a:t>Summary</a:t>
+            </a:r>
           </a:p>
         </p:txBody>
       </p:sp>
       <p:sp>
         <p:nvSpPr>
-          <p:cNvPr id="13" name="TextBox 12">
-            <a:extLst>
-              <a:ext uri="{FF2B5EF4-FFF2-40B4-BE49-F238E27FC236}">
-                <a16:creationId xmlns:a16="http://schemas.microsoft.com/office/drawing/2014/main" id="{8798AC7E-D0F1-B89E-2A76-2440F64D0585}"/>
+          <p:cNvPr id="12" name="TextBox 11">
+            <a:extLst>
+              <a:ext uri="{FF2B5EF4-FFF2-40B4-BE49-F238E27FC236}">
+                <a16:creationId xmlns:a16="http://schemas.microsoft.com/office/drawing/2014/main" id="{2916A977-6EFE-6CFC-5819-CD56731785D0}"/>
               </a:ext>
             </a:extLst>
           </p:cNvPr>
@@ -4763,8 +5512,8 @@
         </p:nvSpPr>
         <p:spPr>
           <a:xfrm>
-            <a:off x="838199" y="4453403"/>
-            <a:ext cx="4150945" cy="369332"/>
+            <a:off x="838200" y="1698909"/>
+            <a:ext cx="1487651" cy="461665"/>
           </a:xfrm>
           <a:prstGeom prst="rect">
             <a:avLst/>
@@ -4778,42 +5527,1011 @@
           <a:lstStyle/>
           <a:p>
             <a:r>
-              <a:rPr lang="en-US" b="1" i="0" dirty="0">
+              <a:rPr lang="en-US" sz="2400" b="1" i="0" dirty="0">
                 <a:solidFill>
                   <a:srgbClr val="1F1F1F"/>
                 </a:solidFill>
                 <a:effectLst/>
                 <a:latin typeface="Google Sans Text"/>
               </a:rPr>
-              <a:t>What does it mean to “cance</a:t>
+              <a:t>Streaming</a:t>
             </a:r>
-            <a:r>
-              <a:rPr lang="en-US" b="1" dirty="0">
-                <a:solidFill>
-                  <a:srgbClr val="1F1F1F"/>
-                </a:solidFill>
-                <a:latin typeface="Google Sans Text"/>
-              </a:rPr>
-              <a:t>l” a request?</a:t>
-            </a:r>
-            <a:endParaRPr lang="en-US" b="1" dirty="0"/>
+            <a:endParaRPr lang="en-US" sz="2400" b="1" dirty="0"/>
           </a:p>
         </p:txBody>
       </p:sp>
+      <p:grpSp>
+        <p:nvGrpSpPr>
+          <p:cNvPr id="6" name="Group 5">
+            <a:extLst>
+              <a:ext uri="{FF2B5EF4-FFF2-40B4-BE49-F238E27FC236}">
+                <a16:creationId xmlns:a16="http://schemas.microsoft.com/office/drawing/2014/main" id="{13D40E88-494F-CB5B-0889-927A499D91ED}"/>
+              </a:ext>
+            </a:extLst>
+          </p:cNvPr>
+          <p:cNvGrpSpPr/>
+          <p:nvPr/>
+        </p:nvGrpSpPr>
+        <p:grpSpPr>
+          <a:xfrm>
+            <a:off x="838200" y="2530071"/>
+            <a:ext cx="5374313" cy="615696"/>
+            <a:chOff x="838200" y="2530071"/>
+            <a:chExt cx="5374313" cy="615696"/>
+          </a:xfrm>
+        </p:grpSpPr>
+        <p:sp>
+          <p:nvSpPr>
+            <p:cNvPr id="9" name="TextBox 8">
+              <a:extLst>
+                <a:ext uri="{FF2B5EF4-FFF2-40B4-BE49-F238E27FC236}">
+                  <a16:creationId xmlns:a16="http://schemas.microsoft.com/office/drawing/2014/main" id="{B7921ADC-3640-9286-09EE-18F10448F2E4}"/>
+                </a:ext>
+              </a:extLst>
+            </p:cNvPr>
+            <p:cNvSpPr txBox="1"/>
+            <p:nvPr/>
+          </p:nvSpPr>
+          <p:spPr>
+            <a:xfrm>
+              <a:off x="1459994" y="2653253"/>
+              <a:ext cx="4752519" cy="369332"/>
+            </a:xfrm>
+            <a:prstGeom prst="rect">
+              <a:avLst/>
+            </a:prstGeom>
+            <a:noFill/>
+          </p:spPr>
+          <p:txBody>
+            <a:bodyPr wrap="none" rtlCol="0">
+              <a:spAutoFit/>
+            </a:bodyPr>
+            <a:lstStyle/>
+            <a:p>
+              <a:r>
+                <a:rPr lang="en-US" b="0" i="0" dirty="0">
+                  <a:solidFill>
+                    <a:srgbClr val="1F1F1F"/>
+                  </a:solidFill>
+                  <a:effectLst/>
+                  <a:latin typeface="Google Sans Text"/>
+                </a:rPr>
+                <a:t>Streaming is the continuous transmission of data</a:t>
+              </a:r>
+              <a:endParaRPr lang="en-US" dirty="0"/>
+            </a:p>
+          </p:txBody>
+        </p:sp>
+        <p:pic>
+          <p:nvPicPr>
+            <p:cNvPr id="3" name="Picture 2">
+              <a:extLst>
+                <a:ext uri="{FF2B5EF4-FFF2-40B4-BE49-F238E27FC236}">
+                  <a16:creationId xmlns:a16="http://schemas.microsoft.com/office/drawing/2014/main" id="{45A83947-527E-AA43-929A-663D8DAD2977}"/>
+                </a:ext>
+              </a:extLst>
+            </p:cNvPr>
+            <p:cNvPicPr>
+              <a:picLocks noChangeAspect="1"/>
+            </p:cNvPicPr>
+            <p:nvPr/>
+          </p:nvPicPr>
+          <p:blipFill>
+            <a:blip r:embed="rId2"/>
+            <a:stretch>
+              <a:fillRect/>
+            </a:stretch>
+          </p:blipFill>
+          <p:spPr>
+            <a:xfrm>
+              <a:off x="838200" y="2530071"/>
+              <a:ext cx="615696" cy="615696"/>
+            </a:xfrm>
+            <a:prstGeom prst="rect">
+              <a:avLst/>
+            </a:prstGeom>
+          </p:spPr>
+        </p:pic>
+      </p:grpSp>
+      <p:grpSp>
+        <p:nvGrpSpPr>
+          <p:cNvPr id="13" name="Group 12">
+            <a:extLst>
+              <a:ext uri="{FF2B5EF4-FFF2-40B4-BE49-F238E27FC236}">
+                <a16:creationId xmlns:a16="http://schemas.microsoft.com/office/drawing/2014/main" id="{1F858861-4E72-05A3-36B8-658474D7FB7D}"/>
+              </a:ext>
+            </a:extLst>
+          </p:cNvPr>
+          <p:cNvGrpSpPr/>
+          <p:nvPr/>
+        </p:nvGrpSpPr>
+        <p:grpSpPr>
+          <a:xfrm>
+            <a:off x="832103" y="3121152"/>
+            <a:ext cx="9214338" cy="615696"/>
+            <a:chOff x="832103" y="3121152"/>
+            <a:chExt cx="9214338" cy="615696"/>
+          </a:xfrm>
+        </p:grpSpPr>
+        <p:sp>
+          <p:nvSpPr>
+            <p:cNvPr id="10" name="TextBox 9">
+              <a:extLst>
+                <a:ext uri="{FF2B5EF4-FFF2-40B4-BE49-F238E27FC236}">
+                  <a16:creationId xmlns:a16="http://schemas.microsoft.com/office/drawing/2014/main" id="{9641855E-9657-AD91-05DF-3264EBD1F5A4}"/>
+                </a:ext>
+              </a:extLst>
+            </p:cNvPr>
+            <p:cNvSpPr txBox="1"/>
+            <p:nvPr/>
+          </p:nvSpPr>
+          <p:spPr>
+            <a:xfrm>
+              <a:off x="1453896" y="3244334"/>
+              <a:ext cx="8592545" cy="369332"/>
+            </a:xfrm>
+            <a:prstGeom prst="rect">
+              <a:avLst/>
+            </a:prstGeom>
+            <a:noFill/>
+          </p:spPr>
+          <p:txBody>
+            <a:bodyPr wrap="none" rtlCol="0">
+              <a:spAutoFit/>
+            </a:bodyPr>
+            <a:lstStyle/>
+            <a:p>
+              <a:r>
+                <a:rPr lang="en-US" b="0" i="0" dirty="0">
+                  <a:solidFill>
+                    <a:srgbClr val="1F1F1F"/>
+                  </a:solidFill>
+                  <a:effectLst/>
+                  <a:latin typeface="Google Sans Text"/>
+                </a:rPr>
+                <a:t>Buffering is when data is pre-loaded in a temporary storage location (disk, cache, memory)</a:t>
+              </a:r>
+              <a:endParaRPr lang="en-US" dirty="0"/>
+            </a:p>
+          </p:txBody>
+        </p:sp>
+        <p:pic>
+          <p:nvPicPr>
+            <p:cNvPr id="4" name="Picture 3">
+              <a:extLst>
+                <a:ext uri="{FF2B5EF4-FFF2-40B4-BE49-F238E27FC236}">
+                  <a16:creationId xmlns:a16="http://schemas.microsoft.com/office/drawing/2014/main" id="{82A2986D-0630-7199-60FB-44C5AC6BE164}"/>
+                </a:ext>
+              </a:extLst>
+            </p:cNvPr>
+            <p:cNvPicPr>
+              <a:picLocks noChangeAspect="1"/>
+            </p:cNvPicPr>
+            <p:nvPr/>
+          </p:nvPicPr>
+          <p:blipFill>
+            <a:blip r:embed="rId2"/>
+            <a:stretch>
+              <a:fillRect/>
+            </a:stretch>
+          </p:blipFill>
+          <p:spPr>
+            <a:xfrm>
+              <a:off x="832103" y="3121152"/>
+              <a:ext cx="615696" cy="615696"/>
+            </a:xfrm>
+            <a:prstGeom prst="rect">
+              <a:avLst/>
+            </a:prstGeom>
+          </p:spPr>
+        </p:pic>
+      </p:grpSp>
+      <p:grpSp>
+        <p:nvGrpSpPr>
+          <p:cNvPr id="14" name="Group 13">
+            <a:extLst>
+              <a:ext uri="{FF2B5EF4-FFF2-40B4-BE49-F238E27FC236}">
+                <a16:creationId xmlns:a16="http://schemas.microsoft.com/office/drawing/2014/main" id="{7455F8AD-91EF-688D-EC08-01D1094AE1AA}"/>
+              </a:ext>
+            </a:extLst>
+          </p:cNvPr>
+          <p:cNvGrpSpPr/>
+          <p:nvPr/>
+        </p:nvGrpSpPr>
+        <p:grpSpPr>
+          <a:xfrm>
+            <a:off x="838202" y="3863877"/>
+            <a:ext cx="10515596" cy="646331"/>
+            <a:chOff x="838202" y="3863877"/>
+            <a:chExt cx="10515596" cy="646331"/>
+          </a:xfrm>
+        </p:grpSpPr>
+        <p:sp>
+          <p:nvSpPr>
+            <p:cNvPr id="11" name="TextBox 10">
+              <a:extLst>
+                <a:ext uri="{FF2B5EF4-FFF2-40B4-BE49-F238E27FC236}">
+                  <a16:creationId xmlns:a16="http://schemas.microsoft.com/office/drawing/2014/main" id="{47B250A6-5CE3-4BEF-6AF2-4136A5548D1B}"/>
+                </a:ext>
+              </a:extLst>
+            </p:cNvPr>
+            <p:cNvSpPr txBox="1"/>
+            <p:nvPr/>
+          </p:nvSpPr>
+          <p:spPr>
+            <a:xfrm>
+              <a:off x="1459994" y="3863877"/>
+              <a:ext cx="9893804" cy="646331"/>
+            </a:xfrm>
+            <a:prstGeom prst="rect">
+              <a:avLst/>
+            </a:prstGeom>
+            <a:noFill/>
+          </p:spPr>
+          <p:txBody>
+            <a:bodyPr wrap="square" rtlCol="0">
+              <a:spAutoFit/>
+            </a:bodyPr>
+            <a:lstStyle/>
+            <a:p>
+              <a:r>
+                <a:rPr lang="en-US" b="0" i="0" dirty="0">
+                  <a:solidFill>
+                    <a:srgbClr val="1F1F1F"/>
+                  </a:solidFill>
+                  <a:effectLst/>
+                  <a:latin typeface="Google Sans Text"/>
+                </a:rPr>
+                <a:t>Buffering can kill performance especially if it’s being done in an HTTP call chain that invokes a streaming-based endpoint</a:t>
+              </a:r>
+              <a:endParaRPr lang="en-US" dirty="0"/>
+            </a:p>
+          </p:txBody>
+        </p:sp>
+        <p:pic>
+          <p:nvPicPr>
+            <p:cNvPr id="5" name="Picture 4">
+              <a:extLst>
+                <a:ext uri="{FF2B5EF4-FFF2-40B4-BE49-F238E27FC236}">
+                  <a16:creationId xmlns:a16="http://schemas.microsoft.com/office/drawing/2014/main" id="{F42A3F33-2AA5-CF49-8FD1-79050C2E21A8}"/>
+                </a:ext>
+              </a:extLst>
+            </p:cNvPr>
+            <p:cNvPicPr>
+              <a:picLocks noChangeAspect="1"/>
+            </p:cNvPicPr>
+            <p:nvPr/>
+          </p:nvPicPr>
+          <p:blipFill>
+            <a:blip r:embed="rId2"/>
+            <a:stretch>
+              <a:fillRect/>
+            </a:stretch>
+          </p:blipFill>
+          <p:spPr>
+            <a:xfrm>
+              <a:off x="838202" y="3879194"/>
+              <a:ext cx="615696" cy="615696"/>
+            </a:xfrm>
+            <a:prstGeom prst="rect">
+              <a:avLst/>
+            </a:prstGeom>
+          </p:spPr>
+        </p:pic>
+      </p:grpSp>
     </p:spTree>
     <p:extLst>
       <p:ext uri="{BB962C8B-B14F-4D97-AF65-F5344CB8AC3E}">
-        <p14:creationId xmlns:p14="http://schemas.microsoft.com/office/powerpoint/2010/main" val="3522261247"/>
+        <p14:creationId xmlns:p14="http://schemas.microsoft.com/office/powerpoint/2010/main" val="763046347"/>
       </p:ext>
     </p:extLst>
   </p:cSld>
   <p:clrMapOvr>
     <a:masterClrMapping/>
   </p:clrMapOvr>
+  <p:timing>
+    <p:tnLst>
+      <p:par>
+        <p:cTn id="1" dur="indefinite" restart="never" nodeType="tmRoot">
+          <p:childTnLst>
+            <p:seq concurrent="1" nextAc="seek">
+              <p:cTn id="2" dur="indefinite" nodeType="mainSeq">
+                <p:childTnLst>
+                  <p:par>
+                    <p:cTn id="3" fill="hold">
+                      <p:stCondLst>
+                        <p:cond delay="indefinite"/>
+                      </p:stCondLst>
+                      <p:childTnLst>
+                        <p:par>
+                          <p:cTn id="4" fill="hold">
+                            <p:stCondLst>
+                              <p:cond delay="0"/>
+                            </p:stCondLst>
+                            <p:childTnLst>
+                              <p:par>
+                                <p:cTn id="5" presetID="1" presetClass="entr" presetSubtype="0" fill="hold" nodeType="clickEffect">
+                                  <p:stCondLst>
+                                    <p:cond delay="0"/>
+                                  </p:stCondLst>
+                                  <p:childTnLst>
+                                    <p:set>
+                                      <p:cBhvr>
+                                        <p:cTn id="6" dur="1" fill="hold">
+                                          <p:stCondLst>
+                                            <p:cond delay="0"/>
+                                          </p:stCondLst>
+                                        </p:cTn>
+                                        <p:tgtEl>
+                                          <p:spTgt spid="6"/>
+                                        </p:tgtEl>
+                                        <p:attrNameLst>
+                                          <p:attrName>style.visibility</p:attrName>
+                                        </p:attrNameLst>
+                                      </p:cBhvr>
+                                      <p:to>
+                                        <p:strVal val="visible"/>
+                                      </p:to>
+                                    </p:set>
+                                  </p:childTnLst>
+                                </p:cTn>
+                              </p:par>
+                            </p:childTnLst>
+                          </p:cTn>
+                        </p:par>
+                      </p:childTnLst>
+                    </p:cTn>
+                  </p:par>
+                  <p:par>
+                    <p:cTn id="7" fill="hold">
+                      <p:stCondLst>
+                        <p:cond delay="indefinite"/>
+                      </p:stCondLst>
+                      <p:childTnLst>
+                        <p:par>
+                          <p:cTn id="8" fill="hold">
+                            <p:stCondLst>
+                              <p:cond delay="0"/>
+                            </p:stCondLst>
+                            <p:childTnLst>
+                              <p:par>
+                                <p:cTn id="9" presetID="1" presetClass="entr" presetSubtype="0" fill="hold" nodeType="clickEffect">
+                                  <p:stCondLst>
+                                    <p:cond delay="0"/>
+                                  </p:stCondLst>
+                                  <p:childTnLst>
+                                    <p:set>
+                                      <p:cBhvr>
+                                        <p:cTn id="10" dur="1" fill="hold">
+                                          <p:stCondLst>
+                                            <p:cond delay="0"/>
+                                          </p:stCondLst>
+                                        </p:cTn>
+                                        <p:tgtEl>
+                                          <p:spTgt spid="13"/>
+                                        </p:tgtEl>
+                                        <p:attrNameLst>
+                                          <p:attrName>style.visibility</p:attrName>
+                                        </p:attrNameLst>
+                                      </p:cBhvr>
+                                      <p:to>
+                                        <p:strVal val="visible"/>
+                                      </p:to>
+                                    </p:set>
+                                  </p:childTnLst>
+                                </p:cTn>
+                              </p:par>
+                            </p:childTnLst>
+                          </p:cTn>
+                        </p:par>
+                      </p:childTnLst>
+                    </p:cTn>
+                  </p:par>
+                  <p:par>
+                    <p:cTn id="11" fill="hold">
+                      <p:stCondLst>
+                        <p:cond delay="indefinite"/>
+                      </p:stCondLst>
+                      <p:childTnLst>
+                        <p:par>
+                          <p:cTn id="12" fill="hold">
+                            <p:stCondLst>
+                              <p:cond delay="0"/>
+                            </p:stCondLst>
+                            <p:childTnLst>
+                              <p:par>
+                                <p:cTn id="13" presetID="1" presetClass="entr" presetSubtype="0" fill="hold" nodeType="clickEffect">
+                                  <p:stCondLst>
+                                    <p:cond delay="0"/>
+                                  </p:stCondLst>
+                                  <p:childTnLst>
+                                    <p:set>
+                                      <p:cBhvr>
+                                        <p:cTn id="14" dur="1" fill="hold">
+                                          <p:stCondLst>
+                                            <p:cond delay="0"/>
+                                          </p:stCondLst>
+                                        </p:cTn>
+                                        <p:tgtEl>
+                                          <p:spTgt spid="14"/>
+                                        </p:tgtEl>
+                                        <p:attrNameLst>
+                                          <p:attrName>style.visibility</p:attrName>
+                                        </p:attrNameLst>
+                                      </p:cBhvr>
+                                      <p:to>
+                                        <p:strVal val="visible"/>
+                                      </p:to>
+                                    </p:set>
+                                  </p:childTnLst>
+                                </p:cTn>
+                              </p:par>
+                            </p:childTnLst>
+                          </p:cTn>
+                        </p:par>
+                      </p:childTnLst>
+                    </p:cTn>
+                  </p:par>
+                </p:childTnLst>
+              </p:cTn>
+              <p:prevCondLst>
+                <p:cond evt="onPrev" delay="0">
+                  <p:tgtEl>
+                    <p:sldTgt/>
+                  </p:tgtEl>
+                </p:cond>
+              </p:prevCondLst>
+              <p:nextCondLst>
+                <p:cond evt="onNext" delay="0">
+                  <p:tgtEl>
+                    <p:sldTgt/>
+                  </p:tgtEl>
+                </p:cond>
+              </p:nextCondLst>
+            </p:seq>
+          </p:childTnLst>
+        </p:cTn>
+      </p:par>
+    </p:tnLst>
+  </p:timing>
 </p:sld>
 </file>
 
 <file path=ppt/slides/slide2.xml><?xml version="1.0" encoding="utf-8"?>
+<p:sld xmlns:a="http://schemas.openxmlformats.org/drawingml/2006/main" xmlns:r="http://schemas.openxmlformats.org/officeDocument/2006/relationships" xmlns:p="http://schemas.openxmlformats.org/presentationml/2006/main">
+  <p:cSld>
+    <p:spTree>
+      <p:nvGrpSpPr>
+        <p:cNvPr id="1" name="">
+          <a:extLst>
+            <a:ext uri="{FF2B5EF4-FFF2-40B4-BE49-F238E27FC236}">
+              <a16:creationId xmlns:a16="http://schemas.microsoft.com/office/drawing/2014/main" id="{34787D88-015A-523D-F384-25A78299F0A0}"/>
+            </a:ext>
+          </a:extLst>
+        </p:cNvPr>
+        <p:cNvGrpSpPr/>
+        <p:nvPr/>
+      </p:nvGrpSpPr>
+      <p:grpSpPr>
+        <a:xfrm>
+          <a:off x="0" y="0"/>
+          <a:ext cx="0" cy="0"/>
+          <a:chOff x="0" y="0"/>
+          <a:chExt cx="0" cy="0"/>
+        </a:xfrm>
+      </p:grpSpPr>
+      <p:sp>
+        <p:nvSpPr>
+          <p:cNvPr id="2" name="Title 53">
+            <a:extLst>
+              <a:ext uri="{FF2B5EF4-FFF2-40B4-BE49-F238E27FC236}">
+                <a16:creationId xmlns:a16="http://schemas.microsoft.com/office/drawing/2014/main" id="{A8C9084B-ED43-CA41-140C-F1159437206E}"/>
+              </a:ext>
+            </a:extLst>
+          </p:cNvPr>
+          <p:cNvSpPr txBox="1">
+            <a:spLocks/>
+          </p:cNvSpPr>
+          <p:nvPr/>
+        </p:nvSpPr>
+        <p:spPr>
+          <a:xfrm>
+            <a:off x="838200" y="365126"/>
+            <a:ext cx="10515600" cy="651226"/>
+          </a:xfrm>
+          <a:prstGeom prst="rect">
+            <a:avLst/>
+          </a:prstGeom>
+        </p:spPr>
+        <p:txBody>
+          <a:bodyPr>
+            <a:normAutofit fontScale="97500" lnSpcReduction="10000"/>
+          </a:bodyPr>
+          <a:lstStyle>
+            <a:lvl1pPr algn="l" defTabSz="914400" rtl="0" eaLnBrk="1" latinLnBrk="0" hangingPunct="1">
+              <a:lnSpc>
+                <a:spcPct val="90000"/>
+              </a:lnSpc>
+              <a:spcBef>
+                <a:spcPct val="0"/>
+              </a:spcBef>
+              <a:buNone/>
+              <a:defRPr sz="4400" kern="1200">
+                <a:solidFill>
+                  <a:schemeClr val="tx1"/>
+                </a:solidFill>
+                <a:latin typeface="+mj-lt"/>
+                <a:ea typeface="+mj-ea"/>
+                <a:cs typeface="+mj-cs"/>
+              </a:defRPr>
+            </a:lvl1pPr>
+          </a:lstStyle>
+          <a:p>
+            <a:pPr algn="ctr"/>
+            <a:r>
+              <a:rPr lang="en-US" dirty="0"/>
+              <a:t>Goals</a:t>
+            </a:r>
+          </a:p>
+        </p:txBody>
+      </p:sp>
+      <p:grpSp>
+        <p:nvGrpSpPr>
+          <p:cNvPr id="11" name="Group 10">
+            <a:extLst>
+              <a:ext uri="{FF2B5EF4-FFF2-40B4-BE49-F238E27FC236}">
+                <a16:creationId xmlns:a16="http://schemas.microsoft.com/office/drawing/2014/main" id="{516A4812-373C-2016-DAD6-0E44797BAFEE}"/>
+              </a:ext>
+            </a:extLst>
+          </p:cNvPr>
+          <p:cNvGrpSpPr/>
+          <p:nvPr/>
+        </p:nvGrpSpPr>
+        <p:grpSpPr>
+          <a:xfrm>
+            <a:off x="1536192" y="2430936"/>
+            <a:ext cx="8528290" cy="461665"/>
+            <a:chOff x="1536192" y="2430936"/>
+            <a:chExt cx="8528290" cy="461665"/>
+          </a:xfrm>
+        </p:grpSpPr>
+        <p:sp>
+          <p:nvSpPr>
+            <p:cNvPr id="4" name="TextBox 3">
+              <a:extLst>
+                <a:ext uri="{FF2B5EF4-FFF2-40B4-BE49-F238E27FC236}">
+                  <a16:creationId xmlns:a16="http://schemas.microsoft.com/office/drawing/2014/main" id="{5BA16DD7-F396-EE8D-0F9A-A6C028A2E643}"/>
+                </a:ext>
+              </a:extLst>
+            </p:cNvPr>
+            <p:cNvSpPr txBox="1"/>
+            <p:nvPr/>
+          </p:nvSpPr>
+          <p:spPr>
+            <a:xfrm>
+              <a:off x="2081784" y="2430936"/>
+              <a:ext cx="7982698" cy="461665"/>
+            </a:xfrm>
+            <a:prstGeom prst="rect">
+              <a:avLst/>
+            </a:prstGeom>
+            <a:noFill/>
+          </p:spPr>
+          <p:txBody>
+            <a:bodyPr wrap="none" rtlCol="0">
+              <a:spAutoFit/>
+            </a:bodyPr>
+            <a:lstStyle/>
+            <a:p>
+              <a:r>
+                <a:rPr lang="en-US" sz="2400" b="0" i="0" dirty="0">
+                  <a:solidFill>
+                    <a:srgbClr val="1F1F1F"/>
+                  </a:solidFill>
+                  <a:effectLst/>
+                  <a:latin typeface="Google Sans Text"/>
+                </a:rPr>
+                <a:t>Understand proxies and what it really means to proxy requests</a:t>
+              </a:r>
+              <a:endParaRPr lang="en-US" sz="2400" dirty="0"/>
+            </a:p>
+          </p:txBody>
+        </p:sp>
+        <p:pic>
+          <p:nvPicPr>
+            <p:cNvPr id="8" name="Picture 7">
+              <a:extLst>
+                <a:ext uri="{FF2B5EF4-FFF2-40B4-BE49-F238E27FC236}">
+                  <a16:creationId xmlns:a16="http://schemas.microsoft.com/office/drawing/2014/main" id="{7D8AB144-E37A-4D35-59D6-B3BB8EAF0F62}"/>
+                </a:ext>
+              </a:extLst>
+            </p:cNvPr>
+            <p:cNvPicPr>
+              <a:picLocks noChangeAspect="1"/>
+            </p:cNvPicPr>
+            <p:nvPr/>
+          </p:nvPicPr>
+          <p:blipFill>
+            <a:blip r:embed="rId2"/>
+            <a:stretch>
+              <a:fillRect/>
+            </a:stretch>
+          </p:blipFill>
+          <p:spPr>
+            <a:xfrm>
+              <a:off x="1536192" y="2495652"/>
+              <a:ext cx="332232" cy="332232"/>
+            </a:xfrm>
+            <a:prstGeom prst="rect">
+              <a:avLst/>
+            </a:prstGeom>
+          </p:spPr>
+        </p:pic>
+      </p:grpSp>
+      <p:grpSp>
+        <p:nvGrpSpPr>
+          <p:cNvPr id="12" name="Group 11">
+            <a:extLst>
+              <a:ext uri="{FF2B5EF4-FFF2-40B4-BE49-F238E27FC236}">
+                <a16:creationId xmlns:a16="http://schemas.microsoft.com/office/drawing/2014/main" id="{1ABDE6D5-7D2F-655E-C440-9ADA49B52F62}"/>
+              </a:ext>
+            </a:extLst>
+          </p:cNvPr>
+          <p:cNvGrpSpPr/>
+          <p:nvPr/>
+        </p:nvGrpSpPr>
+        <p:grpSpPr>
+          <a:xfrm>
+            <a:off x="1536192" y="3078432"/>
+            <a:ext cx="6678874" cy="461665"/>
+            <a:chOff x="1536192" y="3078432"/>
+            <a:chExt cx="6678874" cy="461665"/>
+          </a:xfrm>
+        </p:grpSpPr>
+        <p:sp>
+          <p:nvSpPr>
+            <p:cNvPr id="5" name="TextBox 4">
+              <a:extLst>
+                <a:ext uri="{FF2B5EF4-FFF2-40B4-BE49-F238E27FC236}">
+                  <a16:creationId xmlns:a16="http://schemas.microsoft.com/office/drawing/2014/main" id="{5B2141F0-2E4C-6E67-6A8E-3468677E0646}"/>
+                </a:ext>
+              </a:extLst>
+            </p:cNvPr>
+            <p:cNvSpPr txBox="1"/>
+            <p:nvPr/>
+          </p:nvSpPr>
+          <p:spPr>
+            <a:xfrm>
+              <a:off x="2081784" y="3078432"/>
+              <a:ext cx="6133282" cy="461665"/>
+            </a:xfrm>
+            <a:prstGeom prst="rect">
+              <a:avLst/>
+            </a:prstGeom>
+            <a:noFill/>
+          </p:spPr>
+          <p:txBody>
+            <a:bodyPr wrap="none" rtlCol="0">
+              <a:spAutoFit/>
+            </a:bodyPr>
+            <a:lstStyle/>
+            <a:p>
+              <a:r>
+                <a:rPr lang="en-US" sz="2400" dirty="0">
+                  <a:solidFill>
+                    <a:srgbClr val="1F1F1F"/>
+                  </a:solidFill>
+                  <a:latin typeface="Google Sans Text"/>
+                </a:rPr>
+                <a:t>Learn about request timeouts and cancellations</a:t>
+              </a:r>
+              <a:endParaRPr lang="en-US" sz="2400" dirty="0"/>
+            </a:p>
+          </p:txBody>
+        </p:sp>
+        <p:pic>
+          <p:nvPicPr>
+            <p:cNvPr id="9" name="Picture 8">
+              <a:extLst>
+                <a:ext uri="{FF2B5EF4-FFF2-40B4-BE49-F238E27FC236}">
+                  <a16:creationId xmlns:a16="http://schemas.microsoft.com/office/drawing/2014/main" id="{C3649C7F-10AB-0031-5417-F21D2C799E66}"/>
+                </a:ext>
+              </a:extLst>
+            </p:cNvPr>
+            <p:cNvPicPr>
+              <a:picLocks noChangeAspect="1"/>
+            </p:cNvPicPr>
+            <p:nvPr/>
+          </p:nvPicPr>
+          <p:blipFill>
+            <a:blip r:embed="rId2"/>
+            <a:stretch>
+              <a:fillRect/>
+            </a:stretch>
+          </p:blipFill>
+          <p:spPr>
+            <a:xfrm>
+              <a:off x="1536192" y="3143148"/>
+              <a:ext cx="332232" cy="332232"/>
+            </a:xfrm>
+            <a:prstGeom prst="rect">
+              <a:avLst/>
+            </a:prstGeom>
+          </p:spPr>
+        </p:pic>
+      </p:grpSp>
+      <p:grpSp>
+        <p:nvGrpSpPr>
+          <p:cNvPr id="13" name="Group 12">
+            <a:extLst>
+              <a:ext uri="{FF2B5EF4-FFF2-40B4-BE49-F238E27FC236}">
+                <a16:creationId xmlns:a16="http://schemas.microsoft.com/office/drawing/2014/main" id="{C788B89C-B4F4-3B5F-FDD5-9B63F61DA4D2}"/>
+              </a:ext>
+            </a:extLst>
+          </p:cNvPr>
+          <p:cNvGrpSpPr/>
+          <p:nvPr/>
+        </p:nvGrpSpPr>
+        <p:grpSpPr>
+          <a:xfrm>
+            <a:off x="1536192" y="3725928"/>
+            <a:ext cx="8026486" cy="461665"/>
+            <a:chOff x="1536192" y="3725928"/>
+            <a:chExt cx="8026486" cy="461665"/>
+          </a:xfrm>
+        </p:grpSpPr>
+        <p:sp>
+          <p:nvSpPr>
+            <p:cNvPr id="6" name="TextBox 5">
+              <a:extLst>
+                <a:ext uri="{FF2B5EF4-FFF2-40B4-BE49-F238E27FC236}">
+                  <a16:creationId xmlns:a16="http://schemas.microsoft.com/office/drawing/2014/main" id="{B5F3DD48-420F-C0CE-503E-6F6DF629D4C6}"/>
+                </a:ext>
+              </a:extLst>
+            </p:cNvPr>
+            <p:cNvSpPr txBox="1"/>
+            <p:nvPr/>
+          </p:nvSpPr>
+          <p:spPr>
+            <a:xfrm>
+              <a:off x="2081784" y="3725928"/>
+              <a:ext cx="7480894" cy="461665"/>
+            </a:xfrm>
+            <a:prstGeom prst="rect">
+              <a:avLst/>
+            </a:prstGeom>
+            <a:noFill/>
+          </p:spPr>
+          <p:txBody>
+            <a:bodyPr wrap="none" rtlCol="0">
+              <a:spAutoFit/>
+            </a:bodyPr>
+            <a:lstStyle/>
+            <a:p>
+              <a:r>
+                <a:rPr lang="en-US" sz="2400" b="0" i="0" dirty="0">
+                  <a:solidFill>
+                    <a:srgbClr val="1F1F1F"/>
+                  </a:solidFill>
+                  <a:effectLst/>
+                  <a:latin typeface="Google Sans Text"/>
+                </a:rPr>
+                <a:t>What is meant by streaming and how proxies can impact it</a:t>
+              </a:r>
+              <a:endParaRPr lang="en-US" sz="2400" dirty="0"/>
+            </a:p>
+          </p:txBody>
+        </p:sp>
+        <p:pic>
+          <p:nvPicPr>
+            <p:cNvPr id="10" name="Picture 9">
+              <a:extLst>
+                <a:ext uri="{FF2B5EF4-FFF2-40B4-BE49-F238E27FC236}">
+                  <a16:creationId xmlns:a16="http://schemas.microsoft.com/office/drawing/2014/main" id="{ED0E028C-2274-174D-2894-27737425E661}"/>
+                </a:ext>
+              </a:extLst>
+            </p:cNvPr>
+            <p:cNvPicPr>
+              <a:picLocks noChangeAspect="1"/>
+            </p:cNvPicPr>
+            <p:nvPr/>
+          </p:nvPicPr>
+          <p:blipFill>
+            <a:blip r:embed="rId2"/>
+            <a:stretch>
+              <a:fillRect/>
+            </a:stretch>
+          </p:blipFill>
+          <p:spPr>
+            <a:xfrm>
+              <a:off x="1536192" y="3790644"/>
+              <a:ext cx="332232" cy="332232"/>
+            </a:xfrm>
+            <a:prstGeom prst="rect">
+              <a:avLst/>
+            </a:prstGeom>
+          </p:spPr>
+        </p:pic>
+      </p:grpSp>
+    </p:spTree>
+    <p:extLst>
+      <p:ext uri="{BB962C8B-B14F-4D97-AF65-F5344CB8AC3E}">
+        <p14:creationId xmlns:p14="http://schemas.microsoft.com/office/powerpoint/2010/main" val="3349416343"/>
+      </p:ext>
+    </p:extLst>
+  </p:cSld>
+  <p:clrMapOvr>
+    <a:masterClrMapping/>
+  </p:clrMapOvr>
+  <p:timing>
+    <p:tnLst>
+      <p:par>
+        <p:cTn id="1" dur="indefinite" restart="never" nodeType="tmRoot">
+          <p:childTnLst>
+            <p:seq concurrent="1" nextAc="seek">
+              <p:cTn id="2" dur="indefinite" nodeType="mainSeq">
+                <p:childTnLst>
+                  <p:par>
+                    <p:cTn id="3" fill="hold">
+                      <p:stCondLst>
+                        <p:cond delay="indefinite"/>
+                      </p:stCondLst>
+                      <p:childTnLst>
+                        <p:par>
+                          <p:cTn id="4" fill="hold">
+                            <p:stCondLst>
+                              <p:cond delay="0"/>
+                            </p:stCondLst>
+                            <p:childTnLst>
+                              <p:par>
+                                <p:cTn id="5" presetID="1" presetClass="entr" presetSubtype="0" fill="hold" nodeType="clickEffect">
+                                  <p:stCondLst>
+                                    <p:cond delay="0"/>
+                                  </p:stCondLst>
+                                  <p:childTnLst>
+                                    <p:set>
+                                      <p:cBhvr>
+                                        <p:cTn id="6" dur="1" fill="hold">
+                                          <p:stCondLst>
+                                            <p:cond delay="0"/>
+                                          </p:stCondLst>
+                                        </p:cTn>
+                                        <p:tgtEl>
+                                          <p:spTgt spid="11"/>
+                                        </p:tgtEl>
+                                        <p:attrNameLst>
+                                          <p:attrName>style.visibility</p:attrName>
+                                        </p:attrNameLst>
+                                      </p:cBhvr>
+                                      <p:to>
+                                        <p:strVal val="visible"/>
+                                      </p:to>
+                                    </p:set>
+                                  </p:childTnLst>
+                                </p:cTn>
+                              </p:par>
+                            </p:childTnLst>
+                          </p:cTn>
+                        </p:par>
+                      </p:childTnLst>
+                    </p:cTn>
+                  </p:par>
+                  <p:par>
+                    <p:cTn id="7" fill="hold">
+                      <p:stCondLst>
+                        <p:cond delay="indefinite"/>
+                      </p:stCondLst>
+                      <p:childTnLst>
+                        <p:par>
+                          <p:cTn id="8" fill="hold">
+                            <p:stCondLst>
+                              <p:cond delay="0"/>
+                            </p:stCondLst>
+                            <p:childTnLst>
+                              <p:par>
+                                <p:cTn id="9" presetID="1" presetClass="entr" presetSubtype="0" fill="hold" nodeType="clickEffect">
+                                  <p:stCondLst>
+                                    <p:cond delay="0"/>
+                                  </p:stCondLst>
+                                  <p:childTnLst>
+                                    <p:set>
+                                      <p:cBhvr>
+                                        <p:cTn id="10" dur="1" fill="hold">
+                                          <p:stCondLst>
+                                            <p:cond delay="0"/>
+                                          </p:stCondLst>
+                                        </p:cTn>
+                                        <p:tgtEl>
+                                          <p:spTgt spid="12"/>
+                                        </p:tgtEl>
+                                        <p:attrNameLst>
+                                          <p:attrName>style.visibility</p:attrName>
+                                        </p:attrNameLst>
+                                      </p:cBhvr>
+                                      <p:to>
+                                        <p:strVal val="visible"/>
+                                      </p:to>
+                                    </p:set>
+                                  </p:childTnLst>
+                                </p:cTn>
+                              </p:par>
+                            </p:childTnLst>
+                          </p:cTn>
+                        </p:par>
+                      </p:childTnLst>
+                    </p:cTn>
+                  </p:par>
+                  <p:par>
+                    <p:cTn id="11" fill="hold">
+                      <p:stCondLst>
+                        <p:cond delay="indefinite"/>
+                      </p:stCondLst>
+                      <p:childTnLst>
+                        <p:par>
+                          <p:cTn id="12" fill="hold">
+                            <p:stCondLst>
+                              <p:cond delay="0"/>
+                            </p:stCondLst>
+                            <p:childTnLst>
+                              <p:par>
+                                <p:cTn id="13" presetID="1" presetClass="entr" presetSubtype="0" fill="hold" nodeType="clickEffect">
+                                  <p:stCondLst>
+                                    <p:cond delay="0"/>
+                                  </p:stCondLst>
+                                  <p:childTnLst>
+                                    <p:set>
+                                      <p:cBhvr>
+                                        <p:cTn id="14" dur="1" fill="hold">
+                                          <p:stCondLst>
+                                            <p:cond delay="0"/>
+                                          </p:stCondLst>
+                                        </p:cTn>
+                                        <p:tgtEl>
+                                          <p:spTgt spid="13"/>
+                                        </p:tgtEl>
+                                        <p:attrNameLst>
+                                          <p:attrName>style.visibility</p:attrName>
+                                        </p:attrNameLst>
+                                      </p:cBhvr>
+                                      <p:to>
+                                        <p:strVal val="visible"/>
+                                      </p:to>
+                                    </p:set>
+                                  </p:childTnLst>
+                                </p:cTn>
+                              </p:par>
+                            </p:childTnLst>
+                          </p:cTn>
+                        </p:par>
+                      </p:childTnLst>
+                    </p:cTn>
+                  </p:par>
+                </p:childTnLst>
+              </p:cTn>
+              <p:prevCondLst>
+                <p:cond evt="onPrev" delay="0">
+                  <p:tgtEl>
+                    <p:sldTgt/>
+                  </p:tgtEl>
+                </p:cond>
+              </p:prevCondLst>
+              <p:nextCondLst>
+                <p:cond evt="onNext" delay="0">
+                  <p:tgtEl>
+                    <p:sldTgt/>
+                  </p:tgtEl>
+                </p:cond>
+              </p:nextCondLst>
+            </p:seq>
+          </p:childTnLst>
+        </p:cTn>
+      </p:par>
+    </p:tnLst>
+  </p:timing>
+</p:sld>
+</file>
+
+<file path=ppt/slides/slide3.xml><?xml version="1.0" encoding="utf-8"?>
 <p:sld xmlns:a="http://schemas.openxmlformats.org/drawingml/2006/main" xmlns:r="http://schemas.openxmlformats.org/officeDocument/2006/relationships" xmlns:p="http://schemas.openxmlformats.org/presentationml/2006/main">
   <p:cSld>
     <p:spTree>
@@ -5912,7 +7630,7 @@
                   <a:schemeClr val="tx1"/>
                 </a:solidFill>
               </a:rPr>
-              <a:t>downstream_webapi</a:t>
+              <a:t>upstream_webapi</a:t>
             </a:r>
           </a:p>
         </p:txBody>
@@ -7012,7 +8730,7 @@
 </p:sld>
 </file>
 
-<file path=ppt/slides/slide3.xml><?xml version="1.0" encoding="utf-8"?>
+<file path=ppt/slides/slide4.xml><?xml version="1.0" encoding="utf-8"?>
 <p:sld xmlns:a="http://schemas.openxmlformats.org/drawingml/2006/main" xmlns:r="http://schemas.openxmlformats.org/officeDocument/2006/relationships" xmlns:p="http://schemas.openxmlformats.org/presentationml/2006/main">
   <p:cSld>
     <p:spTree>
@@ -8085,7 +9803,7 @@
 </p:sld>
 </file>
 
-<file path=ppt/slides/slide4.xml><?xml version="1.0" encoding="utf-8"?>
+<file path=ppt/slides/slide5.xml><?xml version="1.0" encoding="utf-8"?>
 <p:sld xmlns:a="http://schemas.openxmlformats.org/drawingml/2006/main" xmlns:r="http://schemas.openxmlformats.org/officeDocument/2006/relationships" xmlns:p="http://schemas.openxmlformats.org/presentationml/2006/main">
   <p:cSld>
     <p:spTree>
@@ -10490,7 +12208,7 @@
 </p:sld>
 </file>
 
-<file path=ppt/slides/slide5.xml><?xml version="1.0" encoding="utf-8"?>
+<file path=ppt/slides/slide6.xml><?xml version="1.0" encoding="utf-8"?>
 <p:sld xmlns:a="http://schemas.openxmlformats.org/drawingml/2006/main" xmlns:r="http://schemas.openxmlformats.org/officeDocument/2006/relationships" xmlns:p="http://schemas.openxmlformats.org/presentationml/2006/main">
   <p:cSld>
     <p:spTree>
@@ -10549,526 +12267,694 @@
           </a:p>
         </p:txBody>
       </p:sp>
-      <p:sp>
-        <p:nvSpPr>
-          <p:cNvPr id="6" name="TextBox 5">
-            <a:extLst>
-              <a:ext uri="{FF2B5EF4-FFF2-40B4-BE49-F238E27FC236}">
-                <a16:creationId xmlns:a16="http://schemas.microsoft.com/office/drawing/2014/main" id="{85DBC5F1-A61F-5557-09EE-8B021D3FEF3C}"/>
-              </a:ext>
-            </a:extLst>
-          </p:cNvPr>
-          <p:cNvSpPr txBox="1"/>
-          <p:nvPr/>
-        </p:nvSpPr>
-        <p:spPr>
-          <a:xfrm>
-            <a:off x="2301240" y="1820180"/>
-            <a:ext cx="6565002" cy="369332"/>
-          </a:xfrm>
-          <a:prstGeom prst="rect">
-            <a:avLst/>
-          </a:prstGeom>
-          <a:noFill/>
-        </p:spPr>
-        <p:txBody>
-          <a:bodyPr wrap="none" rtlCol="0">
-            <a:spAutoFit/>
-          </a:bodyPr>
-          <a:lstStyle/>
-          <a:p>
-            <a:r>
-              <a:rPr lang="en-US" dirty="0"/>
-              <a:t>The continuous transmission of data between a client and server</a:t>
-            </a:r>
-          </a:p>
-        </p:txBody>
-      </p:sp>
-      <p:sp>
-        <p:nvSpPr>
-          <p:cNvPr id="7" name="TextBox 6">
-            <a:extLst>
-              <a:ext uri="{FF2B5EF4-FFF2-40B4-BE49-F238E27FC236}">
-                <a16:creationId xmlns:a16="http://schemas.microsoft.com/office/drawing/2014/main" id="{3339B5CB-8A5B-0FC4-2ED0-B48998C76059}"/>
-              </a:ext>
-            </a:extLst>
-          </p:cNvPr>
-          <p:cNvSpPr txBox="1"/>
-          <p:nvPr/>
-        </p:nvSpPr>
-        <p:spPr>
-          <a:xfrm>
-            <a:off x="2327822" y="2445389"/>
-            <a:ext cx="5258491" cy="369332"/>
-          </a:xfrm>
-          <a:prstGeom prst="rect">
-            <a:avLst/>
-          </a:prstGeom>
-          <a:noFill/>
-        </p:spPr>
-        <p:txBody>
-          <a:bodyPr wrap="none" rtlCol="0">
-            <a:spAutoFit/>
-          </a:bodyPr>
-          <a:lstStyle/>
-          <a:p>
-            <a:r>
-              <a:rPr lang="en-US" dirty="0"/>
-              <a:t>Data is sent in smaller chunks instead of all at once</a:t>
-            </a:r>
-          </a:p>
-        </p:txBody>
-      </p:sp>
-      <p:sp>
-        <p:nvSpPr>
-          <p:cNvPr id="8" name="TextBox 7">
-            <a:extLst>
-              <a:ext uri="{FF2B5EF4-FFF2-40B4-BE49-F238E27FC236}">
-                <a16:creationId xmlns:a16="http://schemas.microsoft.com/office/drawing/2014/main" id="{CCDCDE1D-3FB6-5623-ADBA-6F31705E3FAA}"/>
-              </a:ext>
-            </a:extLst>
-          </p:cNvPr>
-          <p:cNvSpPr txBox="1"/>
-          <p:nvPr/>
-        </p:nvSpPr>
-        <p:spPr>
-          <a:xfrm>
-            <a:off x="2301240" y="3070598"/>
-            <a:ext cx="5438284" cy="369332"/>
-          </a:xfrm>
-          <a:prstGeom prst="rect">
-            <a:avLst/>
-          </a:prstGeom>
-          <a:noFill/>
-        </p:spPr>
-        <p:txBody>
-          <a:bodyPr wrap="none" rtlCol="0">
-            <a:spAutoFit/>
-          </a:bodyPr>
-          <a:lstStyle/>
-          <a:p>
-            <a:r>
-              <a:rPr lang="en-US" dirty="0"/>
-              <a:t>Streaming is a design concept, not a specific protocol</a:t>
-            </a:r>
-          </a:p>
-        </p:txBody>
-      </p:sp>
-      <p:sp>
-        <p:nvSpPr>
-          <p:cNvPr id="9" name="TextBox 8">
-            <a:extLst>
-              <a:ext uri="{FF2B5EF4-FFF2-40B4-BE49-F238E27FC236}">
-                <a16:creationId xmlns:a16="http://schemas.microsoft.com/office/drawing/2014/main" id="{247DEC1E-3A3C-4D35-CF7E-9A020554248D}"/>
-              </a:ext>
-            </a:extLst>
-          </p:cNvPr>
-          <p:cNvSpPr txBox="1"/>
-          <p:nvPr/>
-        </p:nvSpPr>
-        <p:spPr>
-          <a:xfrm>
-            <a:off x="2327822" y="3695807"/>
-            <a:ext cx="2039533" cy="369332"/>
-          </a:xfrm>
-          <a:prstGeom prst="rect">
-            <a:avLst/>
-          </a:prstGeom>
-          <a:noFill/>
-        </p:spPr>
-        <p:txBody>
-          <a:bodyPr wrap="none" rtlCol="0">
-            <a:spAutoFit/>
-          </a:bodyPr>
-          <a:lstStyle/>
-          <a:p>
-            <a:r>
-              <a:rPr lang="en-US" dirty="0"/>
-              <a:t>Types of streaming</a:t>
-            </a:r>
-          </a:p>
-        </p:txBody>
-      </p:sp>
-      <p:sp>
-        <p:nvSpPr>
-          <p:cNvPr id="10" name="TextBox 9">
-            <a:extLst>
-              <a:ext uri="{FF2B5EF4-FFF2-40B4-BE49-F238E27FC236}">
-                <a16:creationId xmlns:a16="http://schemas.microsoft.com/office/drawing/2014/main" id="{C22130BA-296D-4D18-3D3A-C108390EE668}"/>
-              </a:ext>
-            </a:extLst>
-          </p:cNvPr>
-          <p:cNvSpPr txBox="1"/>
-          <p:nvPr/>
-        </p:nvSpPr>
-        <p:spPr>
-          <a:xfrm>
-            <a:off x="3043526" y="4321016"/>
-            <a:ext cx="4132350" cy="369332"/>
-          </a:xfrm>
-          <a:prstGeom prst="rect">
-            <a:avLst/>
-          </a:prstGeom>
-          <a:noFill/>
-        </p:spPr>
-        <p:txBody>
-          <a:bodyPr wrap="none" rtlCol="0">
-            <a:spAutoFit/>
-          </a:bodyPr>
-          <a:lstStyle/>
-          <a:p>
-            <a:r>
-              <a:rPr lang="en-US" dirty="0"/>
-              <a:t>Writing an HTTP response incrementally</a:t>
-            </a:r>
-          </a:p>
-        </p:txBody>
-      </p:sp>
-      <p:sp>
-        <p:nvSpPr>
-          <p:cNvPr id="11" name="TextBox 10">
-            <a:extLst>
-              <a:ext uri="{FF2B5EF4-FFF2-40B4-BE49-F238E27FC236}">
-                <a16:creationId xmlns:a16="http://schemas.microsoft.com/office/drawing/2014/main" id="{20F90270-FA27-ACD5-7264-6CC7A9402BAF}"/>
-              </a:ext>
-            </a:extLst>
-          </p:cNvPr>
-          <p:cNvSpPr txBox="1"/>
-          <p:nvPr/>
-        </p:nvSpPr>
-        <p:spPr>
-          <a:xfrm>
-            <a:off x="3043526" y="4833914"/>
-            <a:ext cx="1381084" cy="369332"/>
-          </a:xfrm>
-          <a:prstGeom prst="rect">
-            <a:avLst/>
-          </a:prstGeom>
-          <a:noFill/>
-        </p:spPr>
-        <p:txBody>
-          <a:bodyPr wrap="none" rtlCol="0">
-            <a:spAutoFit/>
-          </a:bodyPr>
-          <a:lstStyle/>
-          <a:p>
-            <a:r>
-              <a:rPr lang="en-US" dirty="0"/>
-              <a:t>Long polling</a:t>
-            </a:r>
-          </a:p>
-        </p:txBody>
-      </p:sp>
-      <p:sp>
-        <p:nvSpPr>
-          <p:cNvPr id="12" name="TextBox 11">
-            <a:extLst>
-              <a:ext uri="{FF2B5EF4-FFF2-40B4-BE49-F238E27FC236}">
-                <a16:creationId xmlns:a16="http://schemas.microsoft.com/office/drawing/2014/main" id="{19A10210-03FA-BB04-6ABB-81AC5F7DB89B}"/>
-              </a:ext>
-            </a:extLst>
-          </p:cNvPr>
-          <p:cNvSpPr txBox="1"/>
-          <p:nvPr/>
-        </p:nvSpPr>
-        <p:spPr>
-          <a:xfrm>
-            <a:off x="8218388" y="4355192"/>
-            <a:ext cx="2005101" cy="369332"/>
-          </a:xfrm>
-          <a:prstGeom prst="rect">
-            <a:avLst/>
-          </a:prstGeom>
-          <a:noFill/>
-        </p:spPr>
-        <p:txBody>
-          <a:bodyPr wrap="none" rtlCol="0">
-            <a:spAutoFit/>
-          </a:bodyPr>
-          <a:lstStyle/>
-          <a:p>
-            <a:r>
-              <a:rPr lang="en-US" dirty="0"/>
-              <a:t>Server sent events</a:t>
-            </a:r>
-          </a:p>
-        </p:txBody>
-      </p:sp>
-      <p:sp>
-        <p:nvSpPr>
-          <p:cNvPr id="13" name="TextBox 12">
-            <a:extLst>
-              <a:ext uri="{FF2B5EF4-FFF2-40B4-BE49-F238E27FC236}">
-                <a16:creationId xmlns:a16="http://schemas.microsoft.com/office/drawing/2014/main" id="{11A0DAB4-65FF-BE4F-C850-BF4B7133AAF6}"/>
-              </a:ext>
-            </a:extLst>
-          </p:cNvPr>
-          <p:cNvSpPr txBox="1"/>
-          <p:nvPr/>
-        </p:nvSpPr>
-        <p:spPr>
-          <a:xfrm>
-            <a:off x="8218388" y="4868090"/>
-            <a:ext cx="1458091" cy="369332"/>
-          </a:xfrm>
-          <a:prstGeom prst="rect">
-            <a:avLst/>
-          </a:prstGeom>
-          <a:noFill/>
-        </p:spPr>
-        <p:txBody>
-          <a:bodyPr wrap="none" rtlCol="0">
-            <a:spAutoFit/>
-          </a:bodyPr>
-          <a:lstStyle/>
-          <a:p>
-            <a:r>
-              <a:rPr lang="en-US" dirty="0"/>
-              <a:t>Web sockets</a:t>
-            </a:r>
-          </a:p>
-        </p:txBody>
-      </p:sp>
-      <p:pic>
-        <p:nvPicPr>
-          <p:cNvPr id="4" name="Picture 3">
-            <a:extLst>
-              <a:ext uri="{FF2B5EF4-FFF2-40B4-BE49-F238E27FC236}">
-                <a16:creationId xmlns:a16="http://schemas.microsoft.com/office/drawing/2014/main" id="{C60735F4-2552-3E47-9390-E35DDE063C47}"/>
-              </a:ext>
-            </a:extLst>
-          </p:cNvPr>
-          <p:cNvPicPr>
-            <a:picLocks noChangeAspect="1"/>
-          </p:cNvPicPr>
-          <p:nvPr/>
-        </p:nvPicPr>
-        <p:blipFill>
-          <a:blip r:embed="rId2"/>
-          <a:stretch>
-            <a:fillRect/>
-          </a:stretch>
-        </p:blipFill>
-        <p:spPr>
-          <a:xfrm>
-            <a:off x="1642872" y="1845626"/>
-            <a:ext cx="357753" cy="357753"/>
-          </a:xfrm>
-          <a:prstGeom prst="rect">
-            <a:avLst/>
-          </a:prstGeom>
-        </p:spPr>
-      </p:pic>
-      <p:pic>
-        <p:nvPicPr>
-          <p:cNvPr id="14" name="Picture 13">
-            <a:extLst>
-              <a:ext uri="{FF2B5EF4-FFF2-40B4-BE49-F238E27FC236}">
-                <a16:creationId xmlns:a16="http://schemas.microsoft.com/office/drawing/2014/main" id="{AC32BA73-31DC-8482-1312-12D8C0F50D27}"/>
-              </a:ext>
-            </a:extLst>
-          </p:cNvPr>
-          <p:cNvPicPr>
-            <a:picLocks noChangeAspect="1"/>
-          </p:cNvPicPr>
-          <p:nvPr/>
-        </p:nvPicPr>
-        <p:blipFill>
-          <a:blip r:embed="rId3"/>
-          <a:stretch>
-            <a:fillRect/>
-          </a:stretch>
-        </p:blipFill>
-        <p:spPr>
+      <p:grpSp>
+        <p:nvGrpSpPr>
+          <p:cNvPr id="27" name="Group 26">
+            <a:extLst>
+              <a:ext uri="{FF2B5EF4-FFF2-40B4-BE49-F238E27FC236}">
+                <a16:creationId xmlns:a16="http://schemas.microsoft.com/office/drawing/2014/main" id="{6C915490-257F-56EE-07DA-B7D3ED96A991}"/>
+              </a:ext>
+            </a:extLst>
+          </p:cNvPr>
+          <p:cNvGrpSpPr/>
+          <p:nvPr/>
+        </p:nvGrpSpPr>
+        <p:grpSpPr>
+          <a:xfrm>
+            <a:off x="1642872" y="1827113"/>
+            <a:ext cx="7223370" cy="369332"/>
+            <a:chOff x="1642872" y="1827113"/>
+            <a:chExt cx="7223370" cy="369332"/>
+          </a:xfrm>
+        </p:grpSpPr>
+        <p:sp>
+          <p:nvSpPr>
+            <p:cNvPr id="6" name="TextBox 5">
+              <a:extLst>
+                <a:ext uri="{FF2B5EF4-FFF2-40B4-BE49-F238E27FC236}">
+                  <a16:creationId xmlns:a16="http://schemas.microsoft.com/office/drawing/2014/main" id="{85DBC5F1-A61F-5557-09EE-8B021D3FEF3C}"/>
+                </a:ext>
+              </a:extLst>
+            </p:cNvPr>
+            <p:cNvSpPr txBox="1"/>
+            <p:nvPr/>
+          </p:nvSpPr>
+          <p:spPr>
+            <a:xfrm>
+              <a:off x="2301240" y="1827113"/>
+              <a:ext cx="6565002" cy="369332"/>
+            </a:xfrm>
+            <a:prstGeom prst="rect">
+              <a:avLst/>
+            </a:prstGeom>
+            <a:noFill/>
+          </p:spPr>
+          <p:txBody>
+            <a:bodyPr wrap="none" rtlCol="0">
+              <a:spAutoFit/>
+            </a:bodyPr>
+            <a:lstStyle/>
+            <a:p>
+              <a:r>
+                <a:rPr lang="en-US" dirty="0"/>
+                <a:t>The continuous transmission of data between a client and server</a:t>
+              </a:r>
+            </a:p>
+          </p:txBody>
+        </p:sp>
+        <p:pic>
+          <p:nvPicPr>
+            <p:cNvPr id="4" name="Picture 3">
+              <a:extLst>
+                <a:ext uri="{FF2B5EF4-FFF2-40B4-BE49-F238E27FC236}">
+                  <a16:creationId xmlns:a16="http://schemas.microsoft.com/office/drawing/2014/main" id="{C60735F4-2552-3E47-9390-E35DDE063C47}"/>
+                </a:ext>
+              </a:extLst>
+            </p:cNvPr>
+            <p:cNvPicPr>
+              <a:picLocks noChangeAspect="1"/>
+            </p:cNvPicPr>
+            <p:nvPr/>
+          </p:nvPicPr>
+          <p:blipFill>
+            <a:blip r:embed="rId2"/>
+            <a:stretch>
+              <a:fillRect/>
+            </a:stretch>
+          </p:blipFill>
+          <p:spPr>
+            <a:xfrm>
+              <a:off x="1642872" y="1832903"/>
+              <a:ext cx="357753" cy="357753"/>
+            </a:xfrm>
+            <a:prstGeom prst="rect">
+              <a:avLst/>
+            </a:prstGeom>
+          </p:spPr>
+        </p:pic>
+      </p:grpSp>
+      <p:grpSp>
+        <p:nvGrpSpPr>
+          <p:cNvPr id="28" name="Group 27">
+            <a:extLst>
+              <a:ext uri="{FF2B5EF4-FFF2-40B4-BE49-F238E27FC236}">
+                <a16:creationId xmlns:a16="http://schemas.microsoft.com/office/drawing/2014/main" id="{4E0D80E3-0B03-67D5-9A71-DF685F7E9671}"/>
+              </a:ext>
+            </a:extLst>
+          </p:cNvPr>
+          <p:cNvGrpSpPr/>
+          <p:nvPr/>
+        </p:nvGrpSpPr>
+        <p:grpSpPr>
           <a:xfrm>
             <a:off x="1609912" y="2418219"/>
-            <a:ext cx="423672" cy="423672"/>
-          </a:xfrm>
-          <a:prstGeom prst="rect">
-            <a:avLst/>
-          </a:prstGeom>
-        </p:spPr>
-      </p:pic>
-      <p:pic>
-        <p:nvPicPr>
-          <p:cNvPr id="16" name="Picture 15">
-            <a:extLst>
-              <a:ext uri="{FF2B5EF4-FFF2-40B4-BE49-F238E27FC236}">
-                <a16:creationId xmlns:a16="http://schemas.microsoft.com/office/drawing/2014/main" id="{320494BD-5B90-122F-F56B-0227ED28009C}"/>
-              </a:ext>
-            </a:extLst>
-          </p:cNvPr>
-          <p:cNvPicPr>
-            <a:picLocks noChangeAspect="1"/>
-          </p:cNvPicPr>
-          <p:nvPr/>
-        </p:nvPicPr>
-        <p:blipFill>
-          <a:blip r:embed="rId4"/>
-          <a:stretch>
-            <a:fillRect/>
-          </a:stretch>
-        </p:blipFill>
-        <p:spPr>
+            <a:ext cx="5976401" cy="423672"/>
+            <a:chOff x="1609912" y="2418219"/>
+            <a:chExt cx="5976401" cy="423672"/>
+          </a:xfrm>
+        </p:grpSpPr>
+        <p:sp>
+          <p:nvSpPr>
+            <p:cNvPr id="7" name="TextBox 6">
+              <a:extLst>
+                <a:ext uri="{FF2B5EF4-FFF2-40B4-BE49-F238E27FC236}">
+                  <a16:creationId xmlns:a16="http://schemas.microsoft.com/office/drawing/2014/main" id="{3339B5CB-8A5B-0FC4-2ED0-B48998C76059}"/>
+                </a:ext>
+              </a:extLst>
+            </p:cNvPr>
+            <p:cNvSpPr txBox="1"/>
+            <p:nvPr/>
+          </p:nvSpPr>
+          <p:spPr>
+            <a:xfrm>
+              <a:off x="2327822" y="2445389"/>
+              <a:ext cx="5258491" cy="369332"/>
+            </a:xfrm>
+            <a:prstGeom prst="rect">
+              <a:avLst/>
+            </a:prstGeom>
+            <a:noFill/>
+          </p:spPr>
+          <p:txBody>
+            <a:bodyPr wrap="none" rtlCol="0">
+              <a:spAutoFit/>
+            </a:bodyPr>
+            <a:lstStyle/>
+            <a:p>
+              <a:r>
+                <a:rPr lang="en-US" dirty="0"/>
+                <a:t>Data is sent in smaller chunks instead of all at once</a:t>
+              </a:r>
+            </a:p>
+          </p:txBody>
+        </p:sp>
+        <p:pic>
+          <p:nvPicPr>
+            <p:cNvPr id="14" name="Picture 13">
+              <a:extLst>
+                <a:ext uri="{FF2B5EF4-FFF2-40B4-BE49-F238E27FC236}">
+                  <a16:creationId xmlns:a16="http://schemas.microsoft.com/office/drawing/2014/main" id="{AC32BA73-31DC-8482-1312-12D8C0F50D27}"/>
+                </a:ext>
+              </a:extLst>
+            </p:cNvPr>
+            <p:cNvPicPr>
+              <a:picLocks noChangeAspect="1"/>
+            </p:cNvPicPr>
+            <p:nvPr/>
+          </p:nvPicPr>
+          <p:blipFill>
+            <a:blip r:embed="rId3"/>
+            <a:stretch>
+              <a:fillRect/>
+            </a:stretch>
+          </p:blipFill>
+          <p:spPr>
+            <a:xfrm>
+              <a:off x="1609912" y="2418219"/>
+              <a:ext cx="423672" cy="423672"/>
+            </a:xfrm>
+            <a:prstGeom prst="rect">
+              <a:avLst/>
+            </a:prstGeom>
+          </p:spPr>
+        </p:pic>
+      </p:grpSp>
+      <p:grpSp>
+        <p:nvGrpSpPr>
+          <p:cNvPr id="29" name="Group 28">
+            <a:extLst>
+              <a:ext uri="{FF2B5EF4-FFF2-40B4-BE49-F238E27FC236}">
+                <a16:creationId xmlns:a16="http://schemas.microsoft.com/office/drawing/2014/main" id="{CBC97341-AE8B-B4BF-9715-CDBED4D02096}"/>
+              </a:ext>
+            </a:extLst>
+          </p:cNvPr>
+          <p:cNvGrpSpPr/>
+          <p:nvPr/>
+        </p:nvGrpSpPr>
+        <p:grpSpPr>
           <a:xfrm>
             <a:off x="1588964" y="3043906"/>
-            <a:ext cx="477580" cy="477580"/>
-          </a:xfrm>
-          <a:prstGeom prst="rect">
-            <a:avLst/>
-          </a:prstGeom>
-        </p:spPr>
-      </p:pic>
-      <p:pic>
-        <p:nvPicPr>
-          <p:cNvPr id="18" name="Picture 17">
-            <a:extLst>
-              <a:ext uri="{FF2B5EF4-FFF2-40B4-BE49-F238E27FC236}">
-                <a16:creationId xmlns:a16="http://schemas.microsoft.com/office/drawing/2014/main" id="{432CDA03-5CC7-0095-A6B7-84A9D3A4C4C5}"/>
-              </a:ext>
-            </a:extLst>
-          </p:cNvPr>
-          <p:cNvPicPr>
-            <a:picLocks noChangeAspect="1"/>
-          </p:cNvPicPr>
-          <p:nvPr/>
-        </p:nvPicPr>
-        <p:blipFill>
-          <a:blip r:embed="rId5"/>
-          <a:stretch>
-            <a:fillRect/>
-          </a:stretch>
-        </p:blipFill>
-        <p:spPr>
-          <a:xfrm>
-            <a:off x="1686764" y="3718319"/>
-            <a:ext cx="346820" cy="346820"/>
-          </a:xfrm>
-          <a:prstGeom prst="rect">
-            <a:avLst/>
-          </a:prstGeom>
-        </p:spPr>
-      </p:pic>
-      <p:pic>
-        <p:nvPicPr>
-          <p:cNvPr id="20" name="Picture 19">
-            <a:extLst>
-              <a:ext uri="{FF2B5EF4-FFF2-40B4-BE49-F238E27FC236}">
-                <a16:creationId xmlns:a16="http://schemas.microsoft.com/office/drawing/2014/main" id="{DA7320E3-1C38-5936-9121-750B4F55B572}"/>
-              </a:ext>
-            </a:extLst>
-          </p:cNvPr>
-          <p:cNvPicPr>
-            <a:picLocks noChangeAspect="1"/>
-          </p:cNvPicPr>
-          <p:nvPr/>
-        </p:nvPicPr>
-        <p:blipFill>
-          <a:blip r:embed="rId6"/>
-          <a:stretch>
-            <a:fillRect/>
-          </a:stretch>
-        </p:blipFill>
-        <p:spPr>
+            <a:ext cx="6150560" cy="477580"/>
+            <a:chOff x="1588964" y="3043906"/>
+            <a:chExt cx="6150560" cy="477580"/>
+          </a:xfrm>
+        </p:grpSpPr>
+        <p:sp>
+          <p:nvSpPr>
+            <p:cNvPr id="8" name="TextBox 7">
+              <a:extLst>
+                <a:ext uri="{FF2B5EF4-FFF2-40B4-BE49-F238E27FC236}">
+                  <a16:creationId xmlns:a16="http://schemas.microsoft.com/office/drawing/2014/main" id="{CCDCDE1D-3FB6-5623-ADBA-6F31705E3FAA}"/>
+                </a:ext>
+              </a:extLst>
+            </p:cNvPr>
+            <p:cNvSpPr txBox="1"/>
+            <p:nvPr/>
+          </p:nvSpPr>
+          <p:spPr>
+            <a:xfrm>
+              <a:off x="2301240" y="3098030"/>
+              <a:ext cx="5438284" cy="369332"/>
+            </a:xfrm>
+            <a:prstGeom prst="rect">
+              <a:avLst/>
+            </a:prstGeom>
+            <a:noFill/>
+          </p:spPr>
+          <p:txBody>
+            <a:bodyPr wrap="none" rtlCol="0">
+              <a:spAutoFit/>
+            </a:bodyPr>
+            <a:lstStyle/>
+            <a:p>
+              <a:r>
+                <a:rPr lang="en-US" dirty="0"/>
+                <a:t>Streaming is a design concept, not a specific protocol</a:t>
+              </a:r>
+            </a:p>
+          </p:txBody>
+        </p:sp>
+        <p:pic>
+          <p:nvPicPr>
+            <p:cNvPr id="16" name="Picture 15">
+              <a:extLst>
+                <a:ext uri="{FF2B5EF4-FFF2-40B4-BE49-F238E27FC236}">
+                  <a16:creationId xmlns:a16="http://schemas.microsoft.com/office/drawing/2014/main" id="{320494BD-5B90-122F-F56B-0227ED28009C}"/>
+                </a:ext>
+              </a:extLst>
+            </p:cNvPr>
+            <p:cNvPicPr>
+              <a:picLocks noChangeAspect="1"/>
+            </p:cNvPicPr>
+            <p:nvPr/>
+          </p:nvPicPr>
+          <p:blipFill>
+            <a:blip r:embed="rId4"/>
+            <a:stretch>
+              <a:fillRect/>
+            </a:stretch>
+          </p:blipFill>
+          <p:spPr>
+            <a:xfrm>
+              <a:off x="1588964" y="3043906"/>
+              <a:ext cx="477580" cy="477580"/>
+            </a:xfrm>
+            <a:prstGeom prst="rect">
+              <a:avLst/>
+            </a:prstGeom>
+          </p:spPr>
+        </p:pic>
+      </p:grpSp>
+      <p:grpSp>
+        <p:nvGrpSpPr>
+          <p:cNvPr id="30" name="Group 29">
+            <a:extLst>
+              <a:ext uri="{FF2B5EF4-FFF2-40B4-BE49-F238E27FC236}">
+                <a16:creationId xmlns:a16="http://schemas.microsoft.com/office/drawing/2014/main" id="{0BEA5819-12B0-0E12-08C2-D46F80AE3192}"/>
+              </a:ext>
+            </a:extLst>
+          </p:cNvPr>
+          <p:cNvGrpSpPr/>
+          <p:nvPr/>
+        </p:nvGrpSpPr>
+        <p:grpSpPr>
+          <a:xfrm>
+            <a:off x="1686764" y="3695807"/>
+            <a:ext cx="2746314" cy="369332"/>
+            <a:chOff x="1686764" y="3695807"/>
+            <a:chExt cx="2746314" cy="369332"/>
+          </a:xfrm>
+        </p:grpSpPr>
+        <p:sp>
+          <p:nvSpPr>
+            <p:cNvPr id="9" name="TextBox 8">
+              <a:extLst>
+                <a:ext uri="{FF2B5EF4-FFF2-40B4-BE49-F238E27FC236}">
+                  <a16:creationId xmlns:a16="http://schemas.microsoft.com/office/drawing/2014/main" id="{247DEC1E-3A3C-4D35-CF7E-9A020554248D}"/>
+                </a:ext>
+              </a:extLst>
+            </p:cNvPr>
+            <p:cNvSpPr txBox="1"/>
+            <p:nvPr/>
+          </p:nvSpPr>
+          <p:spPr>
+            <a:xfrm>
+              <a:off x="2327822" y="3695807"/>
+              <a:ext cx="2105256" cy="369332"/>
+            </a:xfrm>
+            <a:prstGeom prst="rect">
+              <a:avLst/>
+            </a:prstGeom>
+            <a:noFill/>
+          </p:spPr>
+          <p:txBody>
+            <a:bodyPr wrap="none" rtlCol="0">
+              <a:spAutoFit/>
+            </a:bodyPr>
+            <a:lstStyle/>
+            <a:p>
+              <a:r>
+                <a:rPr lang="en-US" dirty="0"/>
+                <a:t>Types of streaming:</a:t>
+              </a:r>
+            </a:p>
+          </p:txBody>
+        </p:sp>
+        <p:pic>
+          <p:nvPicPr>
+            <p:cNvPr id="18" name="Picture 17">
+              <a:extLst>
+                <a:ext uri="{FF2B5EF4-FFF2-40B4-BE49-F238E27FC236}">
+                  <a16:creationId xmlns:a16="http://schemas.microsoft.com/office/drawing/2014/main" id="{432CDA03-5CC7-0095-A6B7-84A9D3A4C4C5}"/>
+                </a:ext>
+              </a:extLst>
+            </p:cNvPr>
+            <p:cNvPicPr>
+              <a:picLocks noChangeAspect="1"/>
+            </p:cNvPicPr>
+            <p:nvPr/>
+          </p:nvPicPr>
+          <p:blipFill>
+            <a:blip r:embed="rId5"/>
+            <a:stretch>
+              <a:fillRect/>
+            </a:stretch>
+          </p:blipFill>
+          <p:spPr>
+            <a:xfrm>
+              <a:off x="1686764" y="3707063"/>
+              <a:ext cx="346820" cy="346820"/>
+            </a:xfrm>
+            <a:prstGeom prst="rect">
+              <a:avLst/>
+            </a:prstGeom>
+          </p:spPr>
+        </p:pic>
+      </p:grpSp>
+      <p:grpSp>
+        <p:nvGrpSpPr>
+          <p:cNvPr id="31" name="Group 30">
+            <a:extLst>
+              <a:ext uri="{FF2B5EF4-FFF2-40B4-BE49-F238E27FC236}">
+                <a16:creationId xmlns:a16="http://schemas.microsoft.com/office/drawing/2014/main" id="{23BACFD7-F8BE-1F2A-01BA-E28E69603BDA}"/>
+              </a:ext>
+            </a:extLst>
+          </p:cNvPr>
+          <p:cNvGrpSpPr/>
+          <p:nvPr/>
+        </p:nvGrpSpPr>
+        <p:grpSpPr>
           <a:xfrm>
             <a:off x="2301240" y="4255666"/>
-            <a:ext cx="500031" cy="500031"/>
-          </a:xfrm>
-          <a:prstGeom prst="rect">
-            <a:avLst/>
-          </a:prstGeom>
-        </p:spPr>
-      </p:pic>
-      <p:pic>
-        <p:nvPicPr>
-          <p:cNvPr id="22" name="Picture 21">
-            <a:extLst>
-              <a:ext uri="{FF2B5EF4-FFF2-40B4-BE49-F238E27FC236}">
-                <a16:creationId xmlns:a16="http://schemas.microsoft.com/office/drawing/2014/main" id="{D6483B5C-759F-C551-9508-6B2D6E06D944}"/>
-              </a:ext>
-            </a:extLst>
-          </p:cNvPr>
-          <p:cNvPicPr>
-            <a:picLocks noChangeAspect="1"/>
-          </p:cNvPicPr>
-          <p:nvPr/>
-        </p:nvPicPr>
-        <p:blipFill>
-          <a:blip r:embed="rId7"/>
-          <a:stretch>
-            <a:fillRect/>
-          </a:stretch>
-        </p:blipFill>
-        <p:spPr>
+            <a:ext cx="4874636" cy="500031"/>
+            <a:chOff x="2301240" y="4255666"/>
+            <a:chExt cx="4874636" cy="500031"/>
+          </a:xfrm>
+        </p:grpSpPr>
+        <p:sp>
+          <p:nvSpPr>
+            <p:cNvPr id="10" name="TextBox 9">
+              <a:extLst>
+                <a:ext uri="{FF2B5EF4-FFF2-40B4-BE49-F238E27FC236}">
+                  <a16:creationId xmlns:a16="http://schemas.microsoft.com/office/drawing/2014/main" id="{C22130BA-296D-4D18-3D3A-C108390EE668}"/>
+                </a:ext>
+              </a:extLst>
+            </p:cNvPr>
+            <p:cNvSpPr txBox="1"/>
+            <p:nvPr/>
+          </p:nvSpPr>
+          <p:spPr>
+            <a:xfrm>
+              <a:off x="3043526" y="4321015"/>
+              <a:ext cx="4132350" cy="369332"/>
+            </a:xfrm>
+            <a:prstGeom prst="rect">
+              <a:avLst/>
+            </a:prstGeom>
+            <a:noFill/>
+          </p:spPr>
+          <p:txBody>
+            <a:bodyPr wrap="none" rtlCol="0">
+              <a:spAutoFit/>
+            </a:bodyPr>
+            <a:lstStyle/>
+            <a:p>
+              <a:r>
+                <a:rPr lang="en-US" dirty="0"/>
+                <a:t>Writing an HTTP response incrementally</a:t>
+              </a:r>
+            </a:p>
+          </p:txBody>
+        </p:sp>
+        <p:pic>
+          <p:nvPicPr>
+            <p:cNvPr id="20" name="Picture 19">
+              <a:extLst>
+                <a:ext uri="{FF2B5EF4-FFF2-40B4-BE49-F238E27FC236}">
+                  <a16:creationId xmlns:a16="http://schemas.microsoft.com/office/drawing/2014/main" id="{DA7320E3-1C38-5936-9121-750B4F55B572}"/>
+                </a:ext>
+              </a:extLst>
+            </p:cNvPr>
+            <p:cNvPicPr>
+              <a:picLocks noChangeAspect="1"/>
+            </p:cNvPicPr>
+            <p:nvPr/>
+          </p:nvPicPr>
+          <p:blipFill>
+            <a:blip r:embed="rId6"/>
+            <a:stretch>
+              <a:fillRect/>
+            </a:stretch>
+          </p:blipFill>
+          <p:spPr>
+            <a:xfrm>
+              <a:off x="2301240" y="4255666"/>
+              <a:ext cx="500031" cy="500031"/>
+            </a:xfrm>
+            <a:prstGeom prst="rect">
+              <a:avLst/>
+            </a:prstGeom>
+          </p:spPr>
+        </p:pic>
+      </p:grpSp>
+      <p:grpSp>
+        <p:nvGrpSpPr>
+          <p:cNvPr id="32" name="Group 31">
+            <a:extLst>
+              <a:ext uri="{FF2B5EF4-FFF2-40B4-BE49-F238E27FC236}">
+                <a16:creationId xmlns:a16="http://schemas.microsoft.com/office/drawing/2014/main" id="{BBC073A6-8250-AFBD-2837-CE6DEAD936AE}"/>
+              </a:ext>
+            </a:extLst>
+          </p:cNvPr>
+          <p:cNvGrpSpPr/>
+          <p:nvPr/>
+        </p:nvGrpSpPr>
+        <p:grpSpPr>
           <a:xfrm>
             <a:off x="2423160" y="4833914"/>
-            <a:ext cx="379794" cy="379794"/>
-          </a:xfrm>
-          <a:prstGeom prst="rect">
-            <a:avLst/>
-          </a:prstGeom>
-        </p:spPr>
-      </p:pic>
-      <p:pic>
-        <p:nvPicPr>
-          <p:cNvPr id="24" name="Picture 23">
-            <a:extLst>
-              <a:ext uri="{FF2B5EF4-FFF2-40B4-BE49-F238E27FC236}">
-                <a16:creationId xmlns:a16="http://schemas.microsoft.com/office/drawing/2014/main" id="{0C4E6A3D-233D-6782-F7B7-13BC7282112A}"/>
-              </a:ext>
-            </a:extLst>
-          </p:cNvPr>
-          <p:cNvPicPr>
-            <a:picLocks noChangeAspect="1"/>
-          </p:cNvPicPr>
-          <p:nvPr/>
-        </p:nvPicPr>
-        <p:blipFill>
-          <a:blip r:embed="rId8"/>
-          <a:stretch>
-            <a:fillRect/>
-          </a:stretch>
-        </p:blipFill>
-        <p:spPr>
+            <a:ext cx="2001450" cy="379794"/>
+            <a:chOff x="2423160" y="4833914"/>
+            <a:chExt cx="2001450" cy="379794"/>
+          </a:xfrm>
+        </p:grpSpPr>
+        <p:sp>
+          <p:nvSpPr>
+            <p:cNvPr id="11" name="TextBox 10">
+              <a:extLst>
+                <a:ext uri="{FF2B5EF4-FFF2-40B4-BE49-F238E27FC236}">
+                  <a16:creationId xmlns:a16="http://schemas.microsoft.com/office/drawing/2014/main" id="{20F90270-FA27-ACD5-7264-6CC7A9402BAF}"/>
+                </a:ext>
+              </a:extLst>
+            </p:cNvPr>
+            <p:cNvSpPr txBox="1"/>
+            <p:nvPr/>
+          </p:nvSpPr>
+          <p:spPr>
+            <a:xfrm>
+              <a:off x="3043526" y="4839145"/>
+              <a:ext cx="1381084" cy="369332"/>
+            </a:xfrm>
+            <a:prstGeom prst="rect">
+              <a:avLst/>
+            </a:prstGeom>
+            <a:noFill/>
+          </p:spPr>
+          <p:txBody>
+            <a:bodyPr wrap="none" rtlCol="0">
+              <a:spAutoFit/>
+            </a:bodyPr>
+            <a:lstStyle/>
+            <a:p>
+              <a:r>
+                <a:rPr lang="en-US" dirty="0"/>
+                <a:t>Long polling</a:t>
+              </a:r>
+            </a:p>
+          </p:txBody>
+        </p:sp>
+        <p:pic>
+          <p:nvPicPr>
+            <p:cNvPr id="22" name="Picture 21">
+              <a:extLst>
+                <a:ext uri="{FF2B5EF4-FFF2-40B4-BE49-F238E27FC236}">
+                  <a16:creationId xmlns:a16="http://schemas.microsoft.com/office/drawing/2014/main" id="{D6483B5C-759F-C551-9508-6B2D6E06D944}"/>
+                </a:ext>
+              </a:extLst>
+            </p:cNvPr>
+            <p:cNvPicPr>
+              <a:picLocks noChangeAspect="1"/>
+            </p:cNvPicPr>
+            <p:nvPr/>
+          </p:nvPicPr>
+          <p:blipFill>
+            <a:blip r:embed="rId7"/>
+            <a:stretch>
+              <a:fillRect/>
+            </a:stretch>
+          </p:blipFill>
+          <p:spPr>
+            <a:xfrm>
+              <a:off x="2423160" y="4833914"/>
+              <a:ext cx="379794" cy="379794"/>
+            </a:xfrm>
+            <a:prstGeom prst="rect">
+              <a:avLst/>
+            </a:prstGeom>
+          </p:spPr>
+        </p:pic>
+      </p:grpSp>
+      <p:grpSp>
+        <p:nvGrpSpPr>
+          <p:cNvPr id="33" name="Group 32">
+            <a:extLst>
+              <a:ext uri="{FF2B5EF4-FFF2-40B4-BE49-F238E27FC236}">
+                <a16:creationId xmlns:a16="http://schemas.microsoft.com/office/drawing/2014/main" id="{CC1873FF-2CDD-C5D9-B14E-4B6E31579A59}"/>
+              </a:ext>
+            </a:extLst>
+          </p:cNvPr>
+          <p:cNvGrpSpPr/>
+          <p:nvPr/>
+        </p:nvGrpSpPr>
+        <p:grpSpPr>
           <a:xfrm>
             <a:off x="7576083" y="4321016"/>
-            <a:ext cx="423672" cy="423672"/>
-          </a:xfrm>
-          <a:prstGeom prst="rect">
-            <a:avLst/>
-          </a:prstGeom>
-        </p:spPr>
-      </p:pic>
-      <p:pic>
-        <p:nvPicPr>
-          <p:cNvPr id="26" name="Picture 25">
-            <a:extLst>
-              <a:ext uri="{FF2B5EF4-FFF2-40B4-BE49-F238E27FC236}">
-                <a16:creationId xmlns:a16="http://schemas.microsoft.com/office/drawing/2014/main" id="{12B25A68-12B8-ADC7-5402-46D7B0A08198}"/>
-              </a:ext>
-            </a:extLst>
-          </p:cNvPr>
-          <p:cNvPicPr>
-            <a:picLocks noChangeAspect="1"/>
-          </p:cNvPicPr>
-          <p:nvPr/>
-        </p:nvPicPr>
-        <p:blipFill>
-          <a:blip r:embed="rId9"/>
-          <a:stretch>
-            <a:fillRect/>
-          </a:stretch>
-        </p:blipFill>
-        <p:spPr>
+            <a:ext cx="2647406" cy="423672"/>
+            <a:chOff x="7576083" y="4321016"/>
+            <a:chExt cx="2647406" cy="423672"/>
+          </a:xfrm>
+        </p:grpSpPr>
+        <p:sp>
+          <p:nvSpPr>
+            <p:cNvPr id="12" name="TextBox 11">
+              <a:extLst>
+                <a:ext uri="{FF2B5EF4-FFF2-40B4-BE49-F238E27FC236}">
+                  <a16:creationId xmlns:a16="http://schemas.microsoft.com/office/drawing/2014/main" id="{19A10210-03FA-BB04-6ABB-81AC5F7DB89B}"/>
+                </a:ext>
+              </a:extLst>
+            </p:cNvPr>
+            <p:cNvSpPr txBox="1"/>
+            <p:nvPr/>
+          </p:nvSpPr>
+          <p:spPr>
+            <a:xfrm>
+              <a:off x="8218388" y="4348186"/>
+              <a:ext cx="2005101" cy="369332"/>
+            </a:xfrm>
+            <a:prstGeom prst="rect">
+              <a:avLst/>
+            </a:prstGeom>
+            <a:noFill/>
+          </p:spPr>
+          <p:txBody>
+            <a:bodyPr wrap="none" rtlCol="0">
+              <a:spAutoFit/>
+            </a:bodyPr>
+            <a:lstStyle/>
+            <a:p>
+              <a:r>
+                <a:rPr lang="en-US" dirty="0"/>
+                <a:t>Server sent events</a:t>
+              </a:r>
+            </a:p>
+          </p:txBody>
+        </p:sp>
+        <p:pic>
+          <p:nvPicPr>
+            <p:cNvPr id="24" name="Picture 23">
+              <a:extLst>
+                <a:ext uri="{FF2B5EF4-FFF2-40B4-BE49-F238E27FC236}">
+                  <a16:creationId xmlns:a16="http://schemas.microsoft.com/office/drawing/2014/main" id="{0C4E6A3D-233D-6782-F7B7-13BC7282112A}"/>
+                </a:ext>
+              </a:extLst>
+            </p:cNvPr>
+            <p:cNvPicPr>
+              <a:picLocks noChangeAspect="1"/>
+            </p:cNvPicPr>
+            <p:nvPr/>
+          </p:nvPicPr>
+          <p:blipFill>
+            <a:blip r:embed="rId8"/>
+            <a:stretch>
+              <a:fillRect/>
+            </a:stretch>
+          </p:blipFill>
+          <p:spPr>
+            <a:xfrm>
+              <a:off x="7576083" y="4321016"/>
+              <a:ext cx="423672" cy="423672"/>
+            </a:xfrm>
+            <a:prstGeom prst="rect">
+              <a:avLst/>
+            </a:prstGeom>
+          </p:spPr>
+        </p:pic>
+      </p:grpSp>
+      <p:grpSp>
+        <p:nvGrpSpPr>
+          <p:cNvPr id="34" name="Group 33">
+            <a:extLst>
+              <a:ext uri="{FF2B5EF4-FFF2-40B4-BE49-F238E27FC236}">
+                <a16:creationId xmlns:a16="http://schemas.microsoft.com/office/drawing/2014/main" id="{BAD2E1E2-B850-E170-E91D-D8AAB3F77517}"/>
+              </a:ext>
+            </a:extLst>
+          </p:cNvPr>
+          <p:cNvGrpSpPr/>
+          <p:nvPr/>
+        </p:nvGrpSpPr>
+        <p:grpSpPr>
           <a:xfrm>
             <a:off x="7598022" y="4843616"/>
-            <a:ext cx="423672" cy="423672"/>
-          </a:xfrm>
-          <a:prstGeom prst="rect">
-            <a:avLst/>
-          </a:prstGeom>
-        </p:spPr>
-      </p:pic>
+            <a:ext cx="2128651" cy="423672"/>
+            <a:chOff x="7598022" y="4843616"/>
+            <a:chExt cx="2128651" cy="423672"/>
+          </a:xfrm>
+        </p:grpSpPr>
+        <p:sp>
+          <p:nvSpPr>
+            <p:cNvPr id="13" name="TextBox 12">
+              <a:extLst>
+                <a:ext uri="{FF2B5EF4-FFF2-40B4-BE49-F238E27FC236}">
+                  <a16:creationId xmlns:a16="http://schemas.microsoft.com/office/drawing/2014/main" id="{11A0DAB4-65FF-BE4F-C850-BF4B7133AAF6}"/>
+                </a:ext>
+              </a:extLst>
+            </p:cNvPr>
+            <p:cNvSpPr txBox="1"/>
+            <p:nvPr/>
+          </p:nvSpPr>
+          <p:spPr>
+            <a:xfrm>
+              <a:off x="8268582" y="4867820"/>
+              <a:ext cx="1458091" cy="369332"/>
+            </a:xfrm>
+            <a:prstGeom prst="rect">
+              <a:avLst/>
+            </a:prstGeom>
+            <a:noFill/>
+          </p:spPr>
+          <p:txBody>
+            <a:bodyPr wrap="none" rtlCol="0">
+              <a:spAutoFit/>
+            </a:bodyPr>
+            <a:lstStyle/>
+            <a:p>
+              <a:r>
+                <a:rPr lang="en-US" dirty="0"/>
+                <a:t>Web sockets</a:t>
+              </a:r>
+            </a:p>
+          </p:txBody>
+        </p:sp>
+        <p:pic>
+          <p:nvPicPr>
+            <p:cNvPr id="26" name="Picture 25">
+              <a:extLst>
+                <a:ext uri="{FF2B5EF4-FFF2-40B4-BE49-F238E27FC236}">
+                  <a16:creationId xmlns:a16="http://schemas.microsoft.com/office/drawing/2014/main" id="{12B25A68-12B8-ADC7-5402-46D7B0A08198}"/>
+                </a:ext>
+              </a:extLst>
+            </p:cNvPr>
+            <p:cNvPicPr>
+              <a:picLocks noChangeAspect="1"/>
+            </p:cNvPicPr>
+            <p:nvPr/>
+          </p:nvPicPr>
+          <p:blipFill>
+            <a:blip r:embed="rId9"/>
+            <a:stretch>
+              <a:fillRect/>
+            </a:stretch>
+          </p:blipFill>
+          <p:spPr>
+            <a:xfrm>
+              <a:off x="7598022" y="4843616"/>
+              <a:ext cx="423672" cy="423672"/>
+            </a:xfrm>
+            <a:prstGeom prst="rect">
+              <a:avLst/>
+            </a:prstGeom>
+          </p:spPr>
+        </p:pic>
+      </p:grpSp>
     </p:spTree>
     <p:extLst>
       <p:ext uri="{BB962C8B-B14F-4D97-AF65-F5344CB8AC3E}">
@@ -11079,10 +12965,400 @@
   <p:clrMapOvr>
     <a:masterClrMapping/>
   </p:clrMapOvr>
+  <p:timing>
+    <p:tnLst>
+      <p:par>
+        <p:cTn id="1" dur="indefinite" restart="never" nodeType="tmRoot">
+          <p:childTnLst>
+            <p:seq concurrent="1" nextAc="seek">
+              <p:cTn id="2" dur="indefinite" nodeType="mainSeq">
+                <p:childTnLst>
+                  <p:par>
+                    <p:cTn id="3" fill="hold">
+                      <p:stCondLst>
+                        <p:cond delay="indefinite"/>
+                      </p:stCondLst>
+                      <p:childTnLst>
+                        <p:par>
+                          <p:cTn id="4" fill="hold">
+                            <p:stCondLst>
+                              <p:cond delay="0"/>
+                            </p:stCondLst>
+                            <p:childTnLst>
+                              <p:par>
+                                <p:cTn id="5" presetID="1" presetClass="entr" presetSubtype="0" fill="hold" nodeType="clickEffect">
+                                  <p:stCondLst>
+                                    <p:cond delay="0"/>
+                                  </p:stCondLst>
+                                  <p:childTnLst>
+                                    <p:set>
+                                      <p:cBhvr>
+                                        <p:cTn id="6" dur="1" fill="hold">
+                                          <p:stCondLst>
+                                            <p:cond delay="0"/>
+                                          </p:stCondLst>
+                                        </p:cTn>
+                                        <p:tgtEl>
+                                          <p:spTgt spid="27"/>
+                                        </p:tgtEl>
+                                        <p:attrNameLst>
+                                          <p:attrName>style.visibility</p:attrName>
+                                        </p:attrNameLst>
+                                      </p:cBhvr>
+                                      <p:to>
+                                        <p:strVal val="visible"/>
+                                      </p:to>
+                                    </p:set>
+                                  </p:childTnLst>
+                                </p:cTn>
+                              </p:par>
+                            </p:childTnLst>
+                          </p:cTn>
+                        </p:par>
+                      </p:childTnLst>
+                    </p:cTn>
+                  </p:par>
+                  <p:par>
+                    <p:cTn id="7" fill="hold">
+                      <p:stCondLst>
+                        <p:cond delay="indefinite"/>
+                      </p:stCondLst>
+                      <p:childTnLst>
+                        <p:par>
+                          <p:cTn id="8" fill="hold">
+                            <p:stCondLst>
+                              <p:cond delay="0"/>
+                            </p:stCondLst>
+                            <p:childTnLst>
+                              <p:par>
+                                <p:cTn id="9" presetID="1" presetClass="entr" presetSubtype="0" fill="hold" nodeType="clickEffect">
+                                  <p:stCondLst>
+                                    <p:cond delay="0"/>
+                                  </p:stCondLst>
+                                  <p:childTnLst>
+                                    <p:set>
+                                      <p:cBhvr>
+                                        <p:cTn id="10" dur="1" fill="hold">
+                                          <p:stCondLst>
+                                            <p:cond delay="0"/>
+                                          </p:stCondLst>
+                                        </p:cTn>
+                                        <p:tgtEl>
+                                          <p:spTgt spid="28"/>
+                                        </p:tgtEl>
+                                        <p:attrNameLst>
+                                          <p:attrName>style.visibility</p:attrName>
+                                        </p:attrNameLst>
+                                      </p:cBhvr>
+                                      <p:to>
+                                        <p:strVal val="visible"/>
+                                      </p:to>
+                                    </p:set>
+                                  </p:childTnLst>
+                                </p:cTn>
+                              </p:par>
+                            </p:childTnLst>
+                          </p:cTn>
+                        </p:par>
+                      </p:childTnLst>
+                    </p:cTn>
+                  </p:par>
+                  <p:par>
+                    <p:cTn id="11" fill="hold">
+                      <p:stCondLst>
+                        <p:cond delay="indefinite"/>
+                      </p:stCondLst>
+                      <p:childTnLst>
+                        <p:par>
+                          <p:cTn id="12" fill="hold">
+                            <p:stCondLst>
+                              <p:cond delay="0"/>
+                            </p:stCondLst>
+                            <p:childTnLst>
+                              <p:par>
+                                <p:cTn id="13" presetID="1" presetClass="entr" presetSubtype="0" fill="hold" nodeType="clickEffect">
+                                  <p:stCondLst>
+                                    <p:cond delay="0"/>
+                                  </p:stCondLst>
+                                  <p:childTnLst>
+                                    <p:set>
+                                      <p:cBhvr>
+                                        <p:cTn id="14" dur="1" fill="hold">
+                                          <p:stCondLst>
+                                            <p:cond delay="0"/>
+                                          </p:stCondLst>
+                                        </p:cTn>
+                                        <p:tgtEl>
+                                          <p:spTgt spid="29"/>
+                                        </p:tgtEl>
+                                        <p:attrNameLst>
+                                          <p:attrName>style.visibility</p:attrName>
+                                        </p:attrNameLst>
+                                      </p:cBhvr>
+                                      <p:to>
+                                        <p:strVal val="visible"/>
+                                      </p:to>
+                                    </p:set>
+                                  </p:childTnLst>
+                                </p:cTn>
+                              </p:par>
+                            </p:childTnLst>
+                          </p:cTn>
+                        </p:par>
+                      </p:childTnLst>
+                    </p:cTn>
+                  </p:par>
+                  <p:par>
+                    <p:cTn id="15" fill="hold">
+                      <p:stCondLst>
+                        <p:cond delay="indefinite"/>
+                      </p:stCondLst>
+                      <p:childTnLst>
+                        <p:par>
+                          <p:cTn id="16" fill="hold">
+                            <p:stCondLst>
+                              <p:cond delay="0"/>
+                            </p:stCondLst>
+                            <p:childTnLst>
+                              <p:par>
+                                <p:cTn id="17" presetID="1" presetClass="entr" presetSubtype="0" fill="hold" nodeType="clickEffect">
+                                  <p:stCondLst>
+                                    <p:cond delay="0"/>
+                                  </p:stCondLst>
+                                  <p:childTnLst>
+                                    <p:set>
+                                      <p:cBhvr>
+                                        <p:cTn id="18" dur="1" fill="hold">
+                                          <p:stCondLst>
+                                            <p:cond delay="0"/>
+                                          </p:stCondLst>
+                                        </p:cTn>
+                                        <p:tgtEl>
+                                          <p:spTgt spid="30"/>
+                                        </p:tgtEl>
+                                        <p:attrNameLst>
+                                          <p:attrName>style.visibility</p:attrName>
+                                        </p:attrNameLst>
+                                      </p:cBhvr>
+                                      <p:to>
+                                        <p:strVal val="visible"/>
+                                      </p:to>
+                                    </p:set>
+                                  </p:childTnLst>
+                                </p:cTn>
+                              </p:par>
+                            </p:childTnLst>
+                          </p:cTn>
+                        </p:par>
+                      </p:childTnLst>
+                    </p:cTn>
+                  </p:par>
+                  <p:par>
+                    <p:cTn id="19" fill="hold">
+                      <p:stCondLst>
+                        <p:cond delay="indefinite"/>
+                      </p:stCondLst>
+                      <p:childTnLst>
+                        <p:par>
+                          <p:cTn id="20" fill="hold">
+                            <p:stCondLst>
+                              <p:cond delay="0"/>
+                            </p:stCondLst>
+                            <p:childTnLst>
+                              <p:par>
+                                <p:cTn id="21" presetID="1" presetClass="entr" presetSubtype="0" fill="hold" nodeType="clickEffect">
+                                  <p:stCondLst>
+                                    <p:cond delay="0"/>
+                                  </p:stCondLst>
+                                  <p:childTnLst>
+                                    <p:set>
+                                      <p:cBhvr>
+                                        <p:cTn id="22" dur="1" fill="hold">
+                                          <p:stCondLst>
+                                            <p:cond delay="0"/>
+                                          </p:stCondLst>
+                                        </p:cTn>
+                                        <p:tgtEl>
+                                          <p:spTgt spid="31"/>
+                                        </p:tgtEl>
+                                        <p:attrNameLst>
+                                          <p:attrName>style.visibility</p:attrName>
+                                        </p:attrNameLst>
+                                      </p:cBhvr>
+                                      <p:to>
+                                        <p:strVal val="visible"/>
+                                      </p:to>
+                                    </p:set>
+                                  </p:childTnLst>
+                                </p:cTn>
+                              </p:par>
+                            </p:childTnLst>
+                          </p:cTn>
+                        </p:par>
+                      </p:childTnLst>
+                    </p:cTn>
+                  </p:par>
+                  <p:par>
+                    <p:cTn id="23" fill="hold">
+                      <p:stCondLst>
+                        <p:cond delay="indefinite"/>
+                      </p:stCondLst>
+                      <p:childTnLst>
+                        <p:par>
+                          <p:cTn id="24" fill="hold">
+                            <p:stCondLst>
+                              <p:cond delay="0"/>
+                            </p:stCondLst>
+                            <p:childTnLst>
+                              <p:par>
+                                <p:cTn id="25" presetID="1" presetClass="entr" presetSubtype="0" fill="hold" nodeType="clickEffect">
+                                  <p:stCondLst>
+                                    <p:cond delay="0"/>
+                                  </p:stCondLst>
+                                  <p:childTnLst>
+                                    <p:set>
+                                      <p:cBhvr>
+                                        <p:cTn id="26" dur="1" fill="hold">
+                                          <p:stCondLst>
+                                            <p:cond delay="0"/>
+                                          </p:stCondLst>
+                                        </p:cTn>
+                                        <p:tgtEl>
+                                          <p:spTgt spid="33"/>
+                                        </p:tgtEl>
+                                        <p:attrNameLst>
+                                          <p:attrName>style.visibility</p:attrName>
+                                        </p:attrNameLst>
+                                      </p:cBhvr>
+                                      <p:to>
+                                        <p:strVal val="visible"/>
+                                      </p:to>
+                                    </p:set>
+                                  </p:childTnLst>
+                                </p:cTn>
+                              </p:par>
+                            </p:childTnLst>
+                          </p:cTn>
+                        </p:par>
+                      </p:childTnLst>
+                    </p:cTn>
+                  </p:par>
+                  <p:par>
+                    <p:cTn id="27" fill="hold">
+                      <p:stCondLst>
+                        <p:cond delay="indefinite"/>
+                      </p:stCondLst>
+                      <p:childTnLst>
+                        <p:par>
+                          <p:cTn id="28" fill="hold">
+                            <p:stCondLst>
+                              <p:cond delay="0"/>
+                            </p:stCondLst>
+                            <p:childTnLst>
+                              <p:par>
+                                <p:cTn id="29" presetID="1" presetClass="entr" presetSubtype="0" fill="hold" nodeType="clickEffect">
+                                  <p:stCondLst>
+                                    <p:cond delay="0"/>
+                                  </p:stCondLst>
+                                  <p:childTnLst>
+                                    <p:set>
+                                      <p:cBhvr>
+                                        <p:cTn id="30" dur="1" fill="hold">
+                                          <p:stCondLst>
+                                            <p:cond delay="0"/>
+                                          </p:stCondLst>
+                                        </p:cTn>
+                                        <p:tgtEl>
+                                          <p:spTgt spid="32"/>
+                                        </p:tgtEl>
+                                        <p:attrNameLst>
+                                          <p:attrName>style.visibility</p:attrName>
+                                        </p:attrNameLst>
+                                      </p:cBhvr>
+                                      <p:to>
+                                        <p:strVal val="visible"/>
+                                      </p:to>
+                                    </p:set>
+                                  </p:childTnLst>
+                                </p:cTn>
+                              </p:par>
+                            </p:childTnLst>
+                          </p:cTn>
+                        </p:par>
+                      </p:childTnLst>
+                    </p:cTn>
+                  </p:par>
+                  <p:par>
+                    <p:cTn id="31" fill="hold">
+                      <p:stCondLst>
+                        <p:cond delay="indefinite"/>
+                      </p:stCondLst>
+                      <p:childTnLst>
+                        <p:par>
+                          <p:cTn id="32" fill="hold">
+                            <p:stCondLst>
+                              <p:cond delay="0"/>
+                            </p:stCondLst>
+                            <p:childTnLst>
+                              <p:par>
+                                <p:cTn id="33" presetID="1" presetClass="entr" presetSubtype="0" fill="hold" nodeType="clickEffect">
+                                  <p:stCondLst>
+                                    <p:cond delay="0"/>
+                                  </p:stCondLst>
+                                  <p:childTnLst>
+                                    <p:set>
+                                      <p:cBhvr>
+                                        <p:cTn id="34" dur="1" fill="hold">
+                                          <p:stCondLst>
+                                            <p:cond delay="0"/>
+                                          </p:stCondLst>
+                                        </p:cTn>
+                                        <p:tgtEl>
+                                          <p:spTgt spid="34"/>
+                                        </p:tgtEl>
+                                        <p:attrNameLst>
+                                          <p:attrName>style.visibility</p:attrName>
+                                        </p:attrNameLst>
+                                      </p:cBhvr>
+                                      <p:to>
+                                        <p:strVal val="visible"/>
+                                      </p:to>
+                                    </p:set>
+                                  </p:childTnLst>
+                                </p:cTn>
+                              </p:par>
+                            </p:childTnLst>
+                          </p:cTn>
+                        </p:par>
+                      </p:childTnLst>
+                    </p:cTn>
+                  </p:par>
+                </p:childTnLst>
+              </p:cTn>
+              <p:prevCondLst>
+                <p:cond evt="onPrev" delay="0">
+                  <p:tgtEl>
+                    <p:sldTgt/>
+                  </p:tgtEl>
+                </p:cond>
+              </p:prevCondLst>
+              <p:nextCondLst>
+                <p:cond evt="onNext" delay="0">
+                  <p:tgtEl>
+                    <p:sldTgt/>
+                  </p:tgtEl>
+                </p:cond>
+              </p:nextCondLst>
+            </p:seq>
+          </p:childTnLst>
+        </p:cTn>
+      </p:par>
+    </p:tnLst>
+  </p:timing>
 </p:sld>
 </file>
 
-<file path=ppt/slides/slide6.xml><?xml version="1.0" encoding="utf-8"?>
+<file path=ppt/slides/slide7.xml><?xml version="1.0" encoding="utf-8"?>
 <p:sld xmlns:a="http://schemas.openxmlformats.org/drawingml/2006/main" xmlns:r="http://schemas.openxmlformats.org/officeDocument/2006/relationships" xmlns:p="http://schemas.openxmlformats.org/presentationml/2006/main">
   <p:cSld>
     <p:spTree>
@@ -12391,7 +14667,7 @@
 </p:sld>
 </file>
 
-<file path=ppt/slides/slide7.xml><?xml version="1.0" encoding="utf-8"?>
+<file path=ppt/slides/slide8.xml><?xml version="1.0" encoding="utf-8"?>
 <p:sld xmlns:a="http://schemas.openxmlformats.org/drawingml/2006/main" xmlns:r="http://schemas.openxmlformats.org/officeDocument/2006/relationships" xmlns:p="http://schemas.openxmlformats.org/presentationml/2006/main">
   <p:cSld>
     <p:spTree>
@@ -13825,7 +16101,7 @@
 </p:sld>
 </file>
 
-<file path=ppt/slides/slide8.xml><?xml version="1.0" encoding="utf-8"?>
+<file path=ppt/slides/slide9.xml><?xml version="1.0" encoding="utf-8"?>
 <p:sld xmlns:a="http://schemas.openxmlformats.org/drawingml/2006/main" xmlns:r="http://schemas.openxmlformats.org/officeDocument/2006/relationships" xmlns:p="http://schemas.openxmlformats.org/presentationml/2006/main">
   <p:cSld>
     <p:spTree>
@@ -15645,268 +17921,6 @@
     <p:extLst>
       <p:ext uri="{BB962C8B-B14F-4D97-AF65-F5344CB8AC3E}">
         <p14:creationId xmlns:p14="http://schemas.microsoft.com/office/powerpoint/2010/main" val="2079009337"/>
-      </p:ext>
-    </p:extLst>
-  </p:cSld>
-  <p:clrMapOvr>
-    <a:masterClrMapping/>
-  </p:clrMapOvr>
-</p:sld>
-</file>
-
-<file path=ppt/slides/slide9.xml><?xml version="1.0" encoding="utf-8"?>
-<p:sld xmlns:a="http://schemas.openxmlformats.org/drawingml/2006/main" xmlns:r="http://schemas.openxmlformats.org/officeDocument/2006/relationships" xmlns:p="http://schemas.openxmlformats.org/presentationml/2006/main">
-  <p:cSld>
-    <p:spTree>
-      <p:nvGrpSpPr>
-        <p:cNvPr id="1" name=""/>
-        <p:cNvGrpSpPr/>
-        <p:nvPr/>
-      </p:nvGrpSpPr>
-      <p:grpSpPr>
-        <a:xfrm>
-          <a:off x="0" y="0"/>
-          <a:ext cx="0" cy="0"/>
-          <a:chOff x="0" y="0"/>
-          <a:chExt cx="0" cy="0"/>
-        </a:xfrm>
-      </p:grpSpPr>
-      <p:sp>
-        <p:nvSpPr>
-          <p:cNvPr id="2" name="Title 53">
-            <a:extLst>
-              <a:ext uri="{FF2B5EF4-FFF2-40B4-BE49-F238E27FC236}">
-                <a16:creationId xmlns:a16="http://schemas.microsoft.com/office/drawing/2014/main" id="{8F3D30F9-AFE0-9727-12C2-078AFABE5228}"/>
-              </a:ext>
-            </a:extLst>
-          </p:cNvPr>
-          <p:cNvSpPr txBox="1">
-            <a:spLocks/>
-          </p:cNvSpPr>
-          <p:nvPr/>
-        </p:nvSpPr>
-        <p:spPr>
-          <a:xfrm>
-            <a:off x="838200" y="365126"/>
-            <a:ext cx="10515600" cy="651226"/>
-          </a:xfrm>
-          <a:prstGeom prst="rect">
-            <a:avLst/>
-          </a:prstGeom>
-        </p:spPr>
-        <p:txBody>
-          <a:bodyPr>
-            <a:normAutofit fontScale="97500" lnSpcReduction="10000"/>
-          </a:bodyPr>
-          <a:lstStyle>
-            <a:lvl1pPr algn="l" defTabSz="914400" rtl="0" eaLnBrk="1" latinLnBrk="0" hangingPunct="1">
-              <a:lnSpc>
-                <a:spcPct val="90000"/>
-              </a:lnSpc>
-              <a:spcBef>
-                <a:spcPct val="0"/>
-              </a:spcBef>
-              <a:buNone/>
-              <a:defRPr sz="4400" kern="1200">
-                <a:solidFill>
-                  <a:schemeClr val="tx1"/>
-                </a:solidFill>
-                <a:latin typeface="+mj-lt"/>
-                <a:ea typeface="+mj-ea"/>
-                <a:cs typeface="+mj-cs"/>
-              </a:defRPr>
-            </a:lvl1pPr>
-          </a:lstStyle>
-          <a:p>
-            <a:pPr algn="ctr"/>
-            <a:r>
-              <a:rPr lang="en-US" dirty="0"/>
-              <a:t>Summary</a:t>
-            </a:r>
-          </a:p>
-        </p:txBody>
-      </p:sp>
-      <p:sp>
-        <p:nvSpPr>
-          <p:cNvPr id="3" name="TextBox 2">
-            <a:extLst>
-              <a:ext uri="{FF2B5EF4-FFF2-40B4-BE49-F238E27FC236}">
-                <a16:creationId xmlns:a16="http://schemas.microsoft.com/office/drawing/2014/main" id="{5E0B0864-3DB5-EA91-3A53-872D8A9E66C0}"/>
-              </a:ext>
-            </a:extLst>
-          </p:cNvPr>
-          <p:cNvSpPr txBox="1"/>
-          <p:nvPr/>
-        </p:nvSpPr>
-        <p:spPr>
-          <a:xfrm>
-            <a:off x="838200" y="2294611"/>
-            <a:ext cx="6371937" cy="461665"/>
-          </a:xfrm>
-          <a:prstGeom prst="rect">
-            <a:avLst/>
-          </a:prstGeom>
-          <a:noFill/>
-        </p:spPr>
-        <p:txBody>
-          <a:bodyPr wrap="none" rtlCol="0">
-            <a:spAutoFit/>
-          </a:bodyPr>
-          <a:lstStyle/>
-          <a:p>
-            <a:r>
-              <a:rPr lang="en-US" sz="2400" b="1" i="0" dirty="0">
-                <a:solidFill>
-                  <a:srgbClr val="1F1F1F"/>
-                </a:solidFill>
-                <a:effectLst/>
-                <a:latin typeface="Google Sans Text"/>
-              </a:rPr>
-              <a:t>What exactly does it mean to "proxy" a request?</a:t>
-            </a:r>
-            <a:endParaRPr lang="en-US" sz="2400" b="1" dirty="0"/>
-          </a:p>
-        </p:txBody>
-      </p:sp>
-      <p:sp>
-        <p:nvSpPr>
-          <p:cNvPr id="4" name="TextBox 3">
-            <a:extLst>
-              <a:ext uri="{FF2B5EF4-FFF2-40B4-BE49-F238E27FC236}">
-                <a16:creationId xmlns:a16="http://schemas.microsoft.com/office/drawing/2014/main" id="{1CD6CB84-CD06-1D16-57DC-9DDAF79AF162}"/>
-              </a:ext>
-            </a:extLst>
-          </p:cNvPr>
-          <p:cNvSpPr txBox="1"/>
-          <p:nvPr/>
-        </p:nvSpPr>
-        <p:spPr>
-          <a:xfrm>
-            <a:off x="838200" y="3034440"/>
-            <a:ext cx="10594952" cy="369332"/>
-          </a:xfrm>
-          <a:prstGeom prst="rect">
-            <a:avLst/>
-          </a:prstGeom>
-          <a:noFill/>
-        </p:spPr>
-        <p:txBody>
-          <a:bodyPr wrap="none" rtlCol="0">
-            <a:spAutoFit/>
-          </a:bodyPr>
-          <a:lstStyle/>
-          <a:p>
-            <a:r>
-              <a:rPr lang="en-US" b="0" i="0" dirty="0">
-                <a:solidFill>
-                  <a:srgbClr val="1F1F1F"/>
-                </a:solidFill>
-                <a:effectLst/>
-                <a:latin typeface="Google Sans Text"/>
-              </a:rPr>
-              <a:t>It means to route a request through an intermediary server instead of sending it to a destination server directly</a:t>
-            </a:r>
-            <a:endParaRPr lang="en-US" dirty="0"/>
-          </a:p>
-        </p:txBody>
-      </p:sp>
-      <p:sp>
-        <p:nvSpPr>
-          <p:cNvPr id="5" name="TextBox 4">
-            <a:extLst>
-              <a:ext uri="{FF2B5EF4-FFF2-40B4-BE49-F238E27FC236}">
-                <a16:creationId xmlns:a16="http://schemas.microsoft.com/office/drawing/2014/main" id="{B7B58924-7179-ACD6-B630-37926CC90B34}"/>
-              </a:ext>
-            </a:extLst>
-          </p:cNvPr>
-          <p:cNvSpPr txBox="1"/>
-          <p:nvPr/>
-        </p:nvSpPr>
-        <p:spPr>
-          <a:xfrm>
-            <a:off x="838200" y="3681936"/>
-            <a:ext cx="8454109" cy="369332"/>
-          </a:xfrm>
-          <a:prstGeom prst="rect">
-            <a:avLst/>
-          </a:prstGeom>
-          <a:noFill/>
-        </p:spPr>
-        <p:txBody>
-          <a:bodyPr wrap="none" rtlCol="0">
-            <a:spAutoFit/>
-          </a:bodyPr>
-          <a:lstStyle/>
-          <a:p>
-            <a:r>
-              <a:rPr lang="en-US" b="0" i="0" dirty="0">
-                <a:solidFill>
-                  <a:srgbClr val="1F1F1F"/>
-                </a:solidFill>
-                <a:effectLst/>
-                <a:latin typeface="Google Sans Text"/>
-              </a:rPr>
-              <a:t>A proxy server can modify the incoming request before it is sent to th</a:t>
-            </a:r>
-            <a:r>
-              <a:rPr lang="en-US" dirty="0">
-                <a:solidFill>
-                  <a:srgbClr val="1F1F1F"/>
-                </a:solidFill>
-                <a:latin typeface="Google Sans Text"/>
-              </a:rPr>
-              <a:t>e destination server</a:t>
-            </a:r>
-            <a:endParaRPr lang="en-US" dirty="0"/>
-          </a:p>
-        </p:txBody>
-      </p:sp>
-      <p:sp>
-        <p:nvSpPr>
-          <p:cNvPr id="6" name="TextBox 5">
-            <a:extLst>
-              <a:ext uri="{FF2B5EF4-FFF2-40B4-BE49-F238E27FC236}">
-                <a16:creationId xmlns:a16="http://schemas.microsoft.com/office/drawing/2014/main" id="{A295BEEE-DB93-D3A8-BDCB-E08037970C4E}"/>
-              </a:ext>
-            </a:extLst>
-          </p:cNvPr>
-          <p:cNvSpPr txBox="1"/>
-          <p:nvPr/>
-        </p:nvSpPr>
-        <p:spPr>
-          <a:xfrm>
-            <a:off x="838200" y="4329432"/>
-            <a:ext cx="4968733" cy="369332"/>
-          </a:xfrm>
-          <a:prstGeom prst="rect">
-            <a:avLst/>
-          </a:prstGeom>
-          <a:noFill/>
-        </p:spPr>
-        <p:txBody>
-          <a:bodyPr wrap="none" rtlCol="0">
-            <a:spAutoFit/>
-          </a:bodyPr>
-          <a:lstStyle/>
-          <a:p>
-            <a:r>
-              <a:rPr lang="en-US" b="0" i="0" dirty="0">
-                <a:solidFill>
-                  <a:srgbClr val="1F1F1F"/>
-                </a:solidFill>
-                <a:effectLst/>
-                <a:latin typeface="Google Sans Text"/>
-              </a:rPr>
-              <a:t>Data travels between servers over HTTP and HTTPS</a:t>
-            </a:r>
-            <a:endParaRPr lang="en-US" dirty="0"/>
-          </a:p>
-        </p:txBody>
-      </p:sp>
-    </p:spTree>
-    <p:extLst>
-      <p:ext uri="{BB962C8B-B14F-4D97-AF65-F5344CB8AC3E}">
-        <p14:creationId xmlns:p14="http://schemas.microsoft.com/office/powerpoint/2010/main" val="3822214295"/>
       </p:ext>
     </p:extLst>
   </p:cSld>
